--- a/Projekt_zespołowy_prezka.pptx
+++ b/Projekt_zespołowy_prezka.pptx
@@ -4561,7 +4561,7 @@
         </p:nvSpPr>
         <p:spPr>
           <a:xfrm>
-            <a:off x="2649894" y="2003038"/>
+            <a:off x="2642078" y="2026484"/>
             <a:ext cx="8500187" cy="2013790"/>
           </a:xfrm>
         </p:spPr>
@@ -4573,21 +4573,21 @@
           <a:p>
             <a:pPr algn="ctr"/>
             <a:r>
-              <a:rPr lang="pl-PL" sz="2800" dirty="0">
+              <a:rPr lang="pl-PL" sz="2800">
                 <a:latin typeface="Arial Black" panose="020B0A04020102020204" pitchFamily="34" charset="0"/>
+                <a:cs typeface="Times New Roman" panose="02020603050405020304" pitchFamily="18" charset="0"/>
               </a:rPr>
-              <a:t>BAZY DANYCH</a:t>
-            </a:r>
-            <a:br>
-              <a:rPr lang="pl-PL" sz="2800" dirty="0">
+              <a:t>PROJEKT </a:t>
+            </a:r>
+          </a:p>
+          <a:p>
+            <a:pPr algn="ctr"/>
+            <a:r>
+              <a:rPr lang="pl-PL" sz="2800">
                 <a:latin typeface="Arial Black" panose="020B0A04020102020204" pitchFamily="34" charset="0"/>
+                <a:cs typeface="Times New Roman" panose="02020603050405020304" pitchFamily="18" charset="0"/>
               </a:rPr>
-            </a:br>
-            <a:r>
-              <a:rPr lang="pl-PL" sz="2800" dirty="0">
-                <a:latin typeface="Arial Black" panose="020B0A04020102020204" pitchFamily="34" charset="0"/>
-              </a:rPr>
-              <a:t>PROJEKT</a:t>
+              <a:t>ZESPOŁOWY</a:t>
             </a:r>
             <a:endParaRPr lang="pl-PL" sz="3600" dirty="0">
               <a:latin typeface="Arial Black" panose="020B0A04020102020204" pitchFamily="34" charset="0"/>

--- a/Projekt_zespołowy_prezka.pptx
+++ b/Projekt_zespołowy_prezka.pptx
@@ -5,18 +5,17 @@
     <p:sldMasterId id="2147483648" r:id="rId1"/>
   </p:sldMasterIdLst>
   <p:notesMasterIdLst>
-    <p:notesMasterId r:id="rId11"/>
+    <p:notesMasterId r:id="rId10"/>
   </p:notesMasterIdLst>
   <p:sldIdLst>
     <p:sldId id="257" r:id="rId2"/>
     <p:sldId id="258" r:id="rId3"/>
-    <p:sldId id="259" r:id="rId4"/>
-    <p:sldId id="260" r:id="rId5"/>
-    <p:sldId id="265" r:id="rId6"/>
-    <p:sldId id="264" r:id="rId7"/>
-    <p:sldId id="263" r:id="rId8"/>
-    <p:sldId id="261" r:id="rId9"/>
-    <p:sldId id="262" r:id="rId10"/>
+    <p:sldId id="266" r:id="rId4"/>
+    <p:sldId id="268" r:id="rId5"/>
+    <p:sldId id="269" r:id="rId6"/>
+    <p:sldId id="270" r:id="rId7"/>
+    <p:sldId id="271" r:id="rId8"/>
+    <p:sldId id="262" r:id="rId9"/>
   </p:sldIdLst>
   <p:sldSz cx="12192000" cy="6858000"/>
   <p:notesSz cx="6858000" cy="9144000"/>
@@ -217,7 +216,7 @@
           <a:p>
             <a:fld id="{4B2F9175-DCB0-4ED0-8693-FEF40FDD92D4}" type="datetimeFigureOut">
               <a:rPr lang="pl-PL" smtClean="0"/>
-              <a:t>06.03.2021</a:t>
+              <a:t>10.03.2021</a:t>
             </a:fld>
             <a:endParaRPr lang="pl-PL"/>
           </a:p>
@@ -484,426 +483,6 @@
 </p:notesMaster>
 </file>
 
-<file path=ppt/notesSlides/notesSlide1.xml><?xml version="1.0" encoding="utf-8"?>
-<p:notes xmlns:a="http://schemas.openxmlformats.org/drawingml/2006/main" xmlns:r="http://schemas.openxmlformats.org/officeDocument/2006/relationships" xmlns:p="http://schemas.openxmlformats.org/presentationml/2006/main">
-  <p:cSld>
-    <p:spTree>
-      <p:nvGrpSpPr>
-        <p:cNvPr id="1" name=""/>
-        <p:cNvGrpSpPr/>
-        <p:nvPr/>
-      </p:nvGrpSpPr>
-      <p:grpSpPr>
-        <a:xfrm>
-          <a:off x="0" y="0"/>
-          <a:ext cx="0" cy="0"/>
-          <a:chOff x="0" y="0"/>
-          <a:chExt cx="0" cy="0"/>
-        </a:xfrm>
-      </p:grpSpPr>
-      <p:sp>
-        <p:nvSpPr>
-          <p:cNvPr id="2" name="Symbol zastępczy obrazu slajdu 1"/>
-          <p:cNvSpPr>
-            <a:spLocks noGrp="1" noRot="1" noChangeAspect="1"/>
-          </p:cNvSpPr>
-          <p:nvPr>
-            <p:ph type="sldImg"/>
-          </p:nvPr>
-        </p:nvSpPr>
-        <p:spPr/>
-      </p:sp>
-      <p:sp>
-        <p:nvSpPr>
-          <p:cNvPr id="3" name="Symbol zastępczy notatek 2"/>
-          <p:cNvSpPr>
-            <a:spLocks noGrp="1"/>
-          </p:cNvSpPr>
-          <p:nvPr>
-            <p:ph type="body" idx="1"/>
-          </p:nvPr>
-        </p:nvSpPr>
-        <p:spPr/>
-        <p:txBody>
-          <a:bodyPr/>
-          <a:lstStyle/>
-          <a:p>
-            <a:endParaRPr lang="pl-PL" dirty="0"/>
-          </a:p>
-        </p:txBody>
-      </p:sp>
-      <p:sp>
-        <p:nvSpPr>
-          <p:cNvPr id="4" name="Symbol zastępczy numeru slajdu 3"/>
-          <p:cNvSpPr>
-            <a:spLocks noGrp="1"/>
-          </p:cNvSpPr>
-          <p:nvPr>
-            <p:ph type="sldNum" sz="quarter" idx="5"/>
-          </p:nvPr>
-        </p:nvSpPr>
-        <p:spPr/>
-        <p:txBody>
-          <a:bodyPr/>
-          <a:lstStyle/>
-          <a:p>
-            <a:fld id="{94DF8378-DD0E-485B-97E4-C3DB4185A276}" type="slidenum">
-              <a:rPr lang="pl-PL" smtClean="0"/>
-              <a:t>3</a:t>
-            </a:fld>
-            <a:endParaRPr lang="pl-PL"/>
-          </a:p>
-        </p:txBody>
-      </p:sp>
-    </p:spTree>
-    <p:extLst>
-      <p:ext uri="{BB962C8B-B14F-4D97-AF65-F5344CB8AC3E}">
-        <p14:creationId xmlns:p14="http://schemas.microsoft.com/office/powerpoint/2010/main" val="368743832"/>
-      </p:ext>
-    </p:extLst>
-  </p:cSld>
-  <p:clrMapOvr>
-    <a:masterClrMapping/>
-  </p:clrMapOvr>
-</p:notes>
-</file>
-
-<file path=ppt/notesSlides/notesSlide2.xml><?xml version="1.0" encoding="utf-8"?>
-<p:notes xmlns:a="http://schemas.openxmlformats.org/drawingml/2006/main" xmlns:r="http://schemas.openxmlformats.org/officeDocument/2006/relationships" xmlns:p="http://schemas.openxmlformats.org/presentationml/2006/main">
-  <p:cSld>
-    <p:spTree>
-      <p:nvGrpSpPr>
-        <p:cNvPr id="1" name=""/>
-        <p:cNvGrpSpPr/>
-        <p:nvPr/>
-      </p:nvGrpSpPr>
-      <p:grpSpPr>
-        <a:xfrm>
-          <a:off x="0" y="0"/>
-          <a:ext cx="0" cy="0"/>
-          <a:chOff x="0" y="0"/>
-          <a:chExt cx="0" cy="0"/>
-        </a:xfrm>
-      </p:grpSpPr>
-      <p:sp>
-        <p:nvSpPr>
-          <p:cNvPr id="2" name="Symbol zastępczy obrazu slajdu 1"/>
-          <p:cNvSpPr>
-            <a:spLocks noGrp="1" noRot="1" noChangeAspect="1"/>
-          </p:cNvSpPr>
-          <p:nvPr>
-            <p:ph type="sldImg"/>
-          </p:nvPr>
-        </p:nvSpPr>
-        <p:spPr/>
-      </p:sp>
-      <p:sp>
-        <p:nvSpPr>
-          <p:cNvPr id="3" name="Symbol zastępczy notatek 2"/>
-          <p:cNvSpPr>
-            <a:spLocks noGrp="1"/>
-          </p:cNvSpPr>
-          <p:nvPr>
-            <p:ph type="body" idx="1"/>
-          </p:nvPr>
-        </p:nvSpPr>
-        <p:spPr/>
-        <p:txBody>
-          <a:bodyPr/>
-          <a:lstStyle/>
-          <a:p>
-            <a:endParaRPr lang="pl-PL" dirty="0"/>
-          </a:p>
-        </p:txBody>
-      </p:sp>
-      <p:sp>
-        <p:nvSpPr>
-          <p:cNvPr id="4" name="Symbol zastępczy numeru slajdu 3"/>
-          <p:cNvSpPr>
-            <a:spLocks noGrp="1"/>
-          </p:cNvSpPr>
-          <p:nvPr>
-            <p:ph type="sldNum" sz="quarter" idx="5"/>
-          </p:nvPr>
-        </p:nvSpPr>
-        <p:spPr/>
-        <p:txBody>
-          <a:bodyPr/>
-          <a:lstStyle/>
-          <a:p>
-            <a:fld id="{94DF8378-DD0E-485B-97E4-C3DB4185A276}" type="slidenum">
-              <a:rPr lang="pl-PL" smtClean="0"/>
-              <a:t>4</a:t>
-            </a:fld>
-            <a:endParaRPr lang="pl-PL"/>
-          </a:p>
-        </p:txBody>
-      </p:sp>
-    </p:spTree>
-    <p:extLst>
-      <p:ext uri="{BB962C8B-B14F-4D97-AF65-F5344CB8AC3E}">
-        <p14:creationId xmlns:p14="http://schemas.microsoft.com/office/powerpoint/2010/main" val="1828163958"/>
-      </p:ext>
-    </p:extLst>
-  </p:cSld>
-  <p:clrMapOvr>
-    <a:masterClrMapping/>
-  </p:clrMapOvr>
-</p:notes>
-</file>
-
-<file path=ppt/notesSlides/notesSlide3.xml><?xml version="1.0" encoding="utf-8"?>
-<p:notes xmlns:a="http://schemas.openxmlformats.org/drawingml/2006/main" xmlns:r="http://schemas.openxmlformats.org/officeDocument/2006/relationships" xmlns:p="http://schemas.openxmlformats.org/presentationml/2006/main">
-  <p:cSld>
-    <p:spTree>
-      <p:nvGrpSpPr>
-        <p:cNvPr id="1" name=""/>
-        <p:cNvGrpSpPr/>
-        <p:nvPr/>
-      </p:nvGrpSpPr>
-      <p:grpSpPr>
-        <a:xfrm>
-          <a:off x="0" y="0"/>
-          <a:ext cx="0" cy="0"/>
-          <a:chOff x="0" y="0"/>
-          <a:chExt cx="0" cy="0"/>
-        </a:xfrm>
-      </p:grpSpPr>
-      <p:sp>
-        <p:nvSpPr>
-          <p:cNvPr id="2" name="Symbol zastępczy obrazu slajdu 1"/>
-          <p:cNvSpPr>
-            <a:spLocks noGrp="1" noRot="1" noChangeAspect="1"/>
-          </p:cNvSpPr>
-          <p:nvPr>
-            <p:ph type="sldImg"/>
-          </p:nvPr>
-        </p:nvSpPr>
-        <p:spPr/>
-      </p:sp>
-      <p:sp>
-        <p:nvSpPr>
-          <p:cNvPr id="3" name="Symbol zastępczy notatek 2"/>
-          <p:cNvSpPr>
-            <a:spLocks noGrp="1"/>
-          </p:cNvSpPr>
-          <p:nvPr>
-            <p:ph type="body" idx="1"/>
-          </p:nvPr>
-        </p:nvSpPr>
-        <p:spPr/>
-        <p:txBody>
-          <a:bodyPr/>
-          <a:lstStyle/>
-          <a:p>
-            <a:endParaRPr lang="pl-PL" dirty="0"/>
-          </a:p>
-        </p:txBody>
-      </p:sp>
-      <p:sp>
-        <p:nvSpPr>
-          <p:cNvPr id="4" name="Symbol zastępczy numeru slajdu 3"/>
-          <p:cNvSpPr>
-            <a:spLocks noGrp="1"/>
-          </p:cNvSpPr>
-          <p:nvPr>
-            <p:ph type="sldNum" sz="quarter" idx="5"/>
-          </p:nvPr>
-        </p:nvSpPr>
-        <p:spPr/>
-        <p:txBody>
-          <a:bodyPr/>
-          <a:lstStyle/>
-          <a:p>
-            <a:fld id="{94DF8378-DD0E-485B-97E4-C3DB4185A276}" type="slidenum">
-              <a:rPr lang="pl-PL" smtClean="0"/>
-              <a:t>5</a:t>
-            </a:fld>
-            <a:endParaRPr lang="pl-PL"/>
-          </a:p>
-        </p:txBody>
-      </p:sp>
-    </p:spTree>
-    <p:extLst>
-      <p:ext uri="{BB962C8B-B14F-4D97-AF65-F5344CB8AC3E}">
-        <p14:creationId xmlns:p14="http://schemas.microsoft.com/office/powerpoint/2010/main" val="613694164"/>
-      </p:ext>
-    </p:extLst>
-  </p:cSld>
-  <p:clrMapOvr>
-    <a:masterClrMapping/>
-  </p:clrMapOvr>
-</p:notes>
-</file>
-
-<file path=ppt/notesSlides/notesSlide4.xml><?xml version="1.0" encoding="utf-8"?>
-<p:notes xmlns:a="http://schemas.openxmlformats.org/drawingml/2006/main" xmlns:r="http://schemas.openxmlformats.org/officeDocument/2006/relationships" xmlns:p="http://schemas.openxmlformats.org/presentationml/2006/main">
-  <p:cSld>
-    <p:spTree>
-      <p:nvGrpSpPr>
-        <p:cNvPr id="1" name=""/>
-        <p:cNvGrpSpPr/>
-        <p:nvPr/>
-      </p:nvGrpSpPr>
-      <p:grpSpPr>
-        <a:xfrm>
-          <a:off x="0" y="0"/>
-          <a:ext cx="0" cy="0"/>
-          <a:chOff x="0" y="0"/>
-          <a:chExt cx="0" cy="0"/>
-        </a:xfrm>
-      </p:grpSpPr>
-      <p:sp>
-        <p:nvSpPr>
-          <p:cNvPr id="2" name="Symbol zastępczy obrazu slajdu 1"/>
-          <p:cNvSpPr>
-            <a:spLocks noGrp="1" noRot="1" noChangeAspect="1"/>
-          </p:cNvSpPr>
-          <p:nvPr>
-            <p:ph type="sldImg"/>
-          </p:nvPr>
-        </p:nvSpPr>
-        <p:spPr/>
-      </p:sp>
-      <p:sp>
-        <p:nvSpPr>
-          <p:cNvPr id="3" name="Symbol zastępczy notatek 2"/>
-          <p:cNvSpPr>
-            <a:spLocks noGrp="1"/>
-          </p:cNvSpPr>
-          <p:nvPr>
-            <p:ph type="body" idx="1"/>
-          </p:nvPr>
-        </p:nvSpPr>
-        <p:spPr/>
-        <p:txBody>
-          <a:bodyPr/>
-          <a:lstStyle/>
-          <a:p>
-            <a:endParaRPr lang="pl-PL" dirty="0"/>
-          </a:p>
-        </p:txBody>
-      </p:sp>
-      <p:sp>
-        <p:nvSpPr>
-          <p:cNvPr id="4" name="Symbol zastępczy numeru slajdu 3"/>
-          <p:cNvSpPr>
-            <a:spLocks noGrp="1"/>
-          </p:cNvSpPr>
-          <p:nvPr>
-            <p:ph type="sldNum" sz="quarter" idx="5"/>
-          </p:nvPr>
-        </p:nvSpPr>
-        <p:spPr/>
-        <p:txBody>
-          <a:bodyPr/>
-          <a:lstStyle/>
-          <a:p>
-            <a:fld id="{94DF8378-DD0E-485B-97E4-C3DB4185A276}" type="slidenum">
-              <a:rPr lang="pl-PL" smtClean="0"/>
-              <a:t>6</a:t>
-            </a:fld>
-            <a:endParaRPr lang="pl-PL"/>
-          </a:p>
-        </p:txBody>
-      </p:sp>
-    </p:spTree>
-    <p:extLst>
-      <p:ext uri="{BB962C8B-B14F-4D97-AF65-F5344CB8AC3E}">
-        <p14:creationId xmlns:p14="http://schemas.microsoft.com/office/powerpoint/2010/main" val="4073601025"/>
-      </p:ext>
-    </p:extLst>
-  </p:cSld>
-  <p:clrMapOvr>
-    <a:masterClrMapping/>
-  </p:clrMapOvr>
-</p:notes>
-</file>
-
-<file path=ppt/notesSlides/notesSlide5.xml><?xml version="1.0" encoding="utf-8"?>
-<p:notes xmlns:a="http://schemas.openxmlformats.org/drawingml/2006/main" xmlns:r="http://schemas.openxmlformats.org/officeDocument/2006/relationships" xmlns:p="http://schemas.openxmlformats.org/presentationml/2006/main">
-  <p:cSld>
-    <p:spTree>
-      <p:nvGrpSpPr>
-        <p:cNvPr id="1" name=""/>
-        <p:cNvGrpSpPr/>
-        <p:nvPr/>
-      </p:nvGrpSpPr>
-      <p:grpSpPr>
-        <a:xfrm>
-          <a:off x="0" y="0"/>
-          <a:ext cx="0" cy="0"/>
-          <a:chOff x="0" y="0"/>
-          <a:chExt cx="0" cy="0"/>
-        </a:xfrm>
-      </p:grpSpPr>
-      <p:sp>
-        <p:nvSpPr>
-          <p:cNvPr id="2" name="Symbol zastępczy obrazu slajdu 1"/>
-          <p:cNvSpPr>
-            <a:spLocks noGrp="1" noRot="1" noChangeAspect="1"/>
-          </p:cNvSpPr>
-          <p:nvPr>
-            <p:ph type="sldImg"/>
-          </p:nvPr>
-        </p:nvSpPr>
-        <p:spPr/>
-      </p:sp>
-      <p:sp>
-        <p:nvSpPr>
-          <p:cNvPr id="3" name="Symbol zastępczy notatek 2"/>
-          <p:cNvSpPr>
-            <a:spLocks noGrp="1"/>
-          </p:cNvSpPr>
-          <p:nvPr>
-            <p:ph type="body" idx="1"/>
-          </p:nvPr>
-        </p:nvSpPr>
-        <p:spPr/>
-        <p:txBody>
-          <a:bodyPr/>
-          <a:lstStyle/>
-          <a:p>
-            <a:endParaRPr lang="pl-PL" dirty="0"/>
-          </a:p>
-        </p:txBody>
-      </p:sp>
-      <p:sp>
-        <p:nvSpPr>
-          <p:cNvPr id="4" name="Symbol zastępczy numeru slajdu 3"/>
-          <p:cNvSpPr>
-            <a:spLocks noGrp="1"/>
-          </p:cNvSpPr>
-          <p:nvPr>
-            <p:ph type="sldNum" sz="quarter" idx="5"/>
-          </p:nvPr>
-        </p:nvSpPr>
-        <p:spPr/>
-        <p:txBody>
-          <a:bodyPr/>
-          <a:lstStyle/>
-          <a:p>
-            <a:fld id="{94DF8378-DD0E-485B-97E4-C3DB4185A276}" type="slidenum">
-              <a:rPr lang="pl-PL" smtClean="0"/>
-              <a:t>7</a:t>
-            </a:fld>
-            <a:endParaRPr lang="pl-PL"/>
-          </a:p>
-        </p:txBody>
-      </p:sp>
-    </p:spTree>
-    <p:extLst>
-      <p:ext uri="{BB962C8B-B14F-4D97-AF65-F5344CB8AC3E}">
-        <p14:creationId xmlns:p14="http://schemas.microsoft.com/office/powerpoint/2010/main" val="3932044028"/>
-      </p:ext>
-    </p:extLst>
-  </p:cSld>
-  <p:clrMapOvr>
-    <a:masterClrMapping/>
-  </p:clrMapOvr>
-</p:notes>
-</file>
-
 <file path=ppt/slideLayouts/slideLayout1.xml><?xml version="1.0" encoding="utf-8"?>
 <p:sldLayout xmlns:a="http://schemas.openxmlformats.org/drawingml/2006/main" xmlns:r="http://schemas.openxmlformats.org/officeDocument/2006/relationships" xmlns:p="http://schemas.openxmlformats.org/presentationml/2006/main" type="title" preserve="1">
   <p:cSld name="Slajd tytułowy">
@@ -1051,7 +630,7 @@
           <a:p>
             <a:fld id="{FD1D95CA-58BF-4305-ABBF-A189B8B9DE4E}" type="datetimeFigureOut">
               <a:rPr lang="pl-PL" smtClean="0"/>
-              <a:t>06.03.2021</a:t>
+              <a:t>10.03.2021</a:t>
             </a:fld>
             <a:endParaRPr lang="pl-PL"/>
           </a:p>
@@ -1249,7 +828,7 @@
           <a:p>
             <a:fld id="{FD1D95CA-58BF-4305-ABBF-A189B8B9DE4E}" type="datetimeFigureOut">
               <a:rPr lang="pl-PL" smtClean="0"/>
-              <a:t>06.03.2021</a:t>
+              <a:t>10.03.2021</a:t>
             </a:fld>
             <a:endParaRPr lang="pl-PL"/>
           </a:p>
@@ -1457,7 +1036,7 @@
           <a:p>
             <a:fld id="{FD1D95CA-58BF-4305-ABBF-A189B8B9DE4E}" type="datetimeFigureOut">
               <a:rPr lang="pl-PL" smtClean="0"/>
-              <a:t>06.03.2021</a:t>
+              <a:t>10.03.2021</a:t>
             </a:fld>
             <a:endParaRPr lang="pl-PL"/>
           </a:p>
@@ -2085,7 +1664,7 @@
           <a:p>
             <a:fld id="{FD1D95CA-58BF-4305-ABBF-A189B8B9DE4E}" type="datetimeFigureOut">
               <a:rPr lang="pl-PL" smtClean="0"/>
-              <a:t>06.03.2021</a:t>
+              <a:t>10.03.2021</a:t>
             </a:fld>
             <a:endParaRPr lang="pl-PL"/>
           </a:p>
@@ -2360,7 +1939,7 @@
           <a:p>
             <a:fld id="{FD1D95CA-58BF-4305-ABBF-A189B8B9DE4E}" type="datetimeFigureOut">
               <a:rPr lang="pl-PL" smtClean="0"/>
-              <a:t>06.03.2021</a:t>
+              <a:t>10.03.2021</a:t>
             </a:fld>
             <a:endParaRPr lang="pl-PL"/>
           </a:p>
@@ -2625,7 +2204,7 @@
           <a:p>
             <a:fld id="{FD1D95CA-58BF-4305-ABBF-A189B8B9DE4E}" type="datetimeFigureOut">
               <a:rPr lang="pl-PL" smtClean="0"/>
-              <a:t>06.03.2021</a:t>
+              <a:t>10.03.2021</a:t>
             </a:fld>
             <a:endParaRPr lang="pl-PL"/>
           </a:p>
@@ -3037,7 +2616,7 @@
           <a:p>
             <a:fld id="{FD1D95CA-58BF-4305-ABBF-A189B8B9DE4E}" type="datetimeFigureOut">
               <a:rPr lang="pl-PL" smtClean="0"/>
-              <a:t>06.03.2021</a:t>
+              <a:t>10.03.2021</a:t>
             </a:fld>
             <a:endParaRPr lang="pl-PL"/>
           </a:p>
@@ -3178,7 +2757,7 @@
           <a:p>
             <a:fld id="{FD1D95CA-58BF-4305-ABBF-A189B8B9DE4E}" type="datetimeFigureOut">
               <a:rPr lang="pl-PL" smtClean="0"/>
-              <a:t>06.03.2021</a:t>
+              <a:t>10.03.2021</a:t>
             </a:fld>
             <a:endParaRPr lang="pl-PL"/>
           </a:p>
@@ -3291,7 +2870,7 @@
           <a:p>
             <a:fld id="{FD1D95CA-58BF-4305-ABBF-A189B8B9DE4E}" type="datetimeFigureOut">
               <a:rPr lang="pl-PL" smtClean="0"/>
-              <a:t>06.03.2021</a:t>
+              <a:t>10.03.2021</a:t>
             </a:fld>
             <a:endParaRPr lang="pl-PL"/>
           </a:p>
@@ -3602,7 +3181,7 @@
           <a:p>
             <a:fld id="{FD1D95CA-58BF-4305-ABBF-A189B8B9DE4E}" type="datetimeFigureOut">
               <a:rPr lang="pl-PL" smtClean="0"/>
-              <a:t>06.03.2021</a:t>
+              <a:t>10.03.2021</a:t>
             </a:fld>
             <a:endParaRPr lang="pl-PL"/>
           </a:p>
@@ -3890,7 +3469,7 @@
           <a:p>
             <a:fld id="{FD1D95CA-58BF-4305-ABBF-A189B8B9DE4E}" type="datetimeFigureOut">
               <a:rPr lang="pl-PL" smtClean="0"/>
-              <a:t>06.03.2021</a:t>
+              <a:t>10.03.2021</a:t>
             </a:fld>
             <a:endParaRPr lang="pl-PL"/>
           </a:p>
@@ -4131,7 +3710,7 @@
           <a:p>
             <a:fld id="{FD1D95CA-58BF-4305-ABBF-A189B8B9DE4E}" type="datetimeFigureOut">
               <a:rPr lang="pl-PL" smtClean="0"/>
-              <a:t>06.03.2021</a:t>
+              <a:t>10.03.2021</a:t>
             </a:fld>
             <a:endParaRPr lang="pl-PL"/>
           </a:p>
@@ -4573,7 +4152,7 @@
           <a:p>
             <a:pPr algn="ctr"/>
             <a:r>
-              <a:rPr lang="pl-PL" sz="2800">
+              <a:rPr lang="pl-PL" sz="2800" dirty="0">
                 <a:latin typeface="Arial Black" panose="020B0A04020102020204" pitchFamily="34" charset="0"/>
                 <a:cs typeface="Times New Roman" panose="02020603050405020304" pitchFamily="18" charset="0"/>
               </a:rPr>
@@ -4583,7 +4162,7 @@
           <a:p>
             <a:pPr algn="ctr"/>
             <a:r>
-              <a:rPr lang="pl-PL" sz="2800">
+              <a:rPr lang="pl-PL" sz="2800" dirty="0">
                 <a:latin typeface="Arial Black" panose="020B0A04020102020204" pitchFamily="34" charset="0"/>
                 <a:cs typeface="Times New Roman" panose="02020603050405020304" pitchFamily="18" charset="0"/>
               </a:rPr>
@@ -4610,8 +4189,8 @@
         </p:nvSpPr>
         <p:spPr>
           <a:xfrm>
-            <a:off x="9050693" y="5439747"/>
-            <a:ext cx="2897155" cy="1200329"/>
+            <a:off x="9037563" y="4747899"/>
+            <a:ext cx="2631924" cy="1891287"/>
           </a:xfrm>
           <a:prstGeom prst="rect">
             <a:avLst/>
@@ -4624,33 +4203,48 @@
           </a:bodyPr>
           <a:lstStyle/>
           <a:p>
-            <a:pPr algn="ctr"/>
-            <a:r>
-              <a:rPr lang="pl-PL" dirty="0"/>
+            <a:pPr algn="ctr">
+              <a:lnSpc>
+                <a:spcPct val="150000"/>
+              </a:lnSpc>
+            </a:pPr>
+            <a:r>
+              <a:rPr lang="pl-PL" sz="2000" dirty="0"/>
               <a:t>Bartosz Kustra</a:t>
             </a:r>
           </a:p>
           <a:p>
-            <a:pPr algn="ctr"/>
-            <a:r>
-              <a:rPr lang="pl-PL" dirty="0"/>
+            <a:pPr algn="ctr">
+              <a:lnSpc>
+                <a:spcPct val="150000"/>
+              </a:lnSpc>
+            </a:pPr>
+            <a:r>
+              <a:rPr lang="pl-PL" sz="2000" dirty="0"/>
               <a:t>Tomasz Nadrowski</a:t>
             </a:r>
           </a:p>
           <a:p>
-            <a:pPr algn="ctr"/>
-            <a:r>
-              <a:rPr lang="pl-PL" dirty="0"/>
+            <a:pPr algn="ctr">
+              <a:lnSpc>
+                <a:spcPct val="150000"/>
+              </a:lnSpc>
+            </a:pPr>
+            <a:r>
+              <a:rPr lang="pl-PL" sz="2000" dirty="0"/>
               <a:t>Michał Rudawski</a:t>
             </a:r>
           </a:p>
           <a:p>
-            <a:pPr algn="ctr"/>
-            <a:r>
-              <a:rPr lang="pl-PL"/>
+            <a:pPr algn="ctr">
+              <a:lnSpc>
+                <a:spcPct val="150000"/>
+              </a:lnSpc>
+            </a:pPr>
+            <a:r>
+              <a:rPr lang="pl-PL" sz="2000" dirty="0"/>
               <a:t>Bartosz Żurakowski</a:t>
             </a:r>
-            <a:endParaRPr lang="pl-PL" dirty="0"/>
           </a:p>
         </p:txBody>
       </p:sp>
@@ -4699,8 +4293,8 @@
         </p:nvSpPr>
         <p:spPr>
           <a:xfrm>
-            <a:off x="2108719" y="388842"/>
-            <a:ext cx="9605865" cy="1612574"/>
+            <a:off x="2641600" y="388842"/>
+            <a:ext cx="8515048" cy="1236758"/>
           </a:xfrm>
         </p:spPr>
         <p:txBody>
@@ -4725,10 +4319,10 @@
       </p:sp>
       <p:sp>
         <p:nvSpPr>
-          <p:cNvPr id="3" name="pole tekstowe 2">
-            <a:extLst>
-              <a:ext uri="{FF2B5EF4-FFF2-40B4-BE49-F238E27FC236}">
-                <a16:creationId xmlns:a16="http://schemas.microsoft.com/office/drawing/2014/main" id="{B5AD5176-5779-43B8-BF03-6EC932EA83D7}"/>
+          <p:cNvPr id="4" name="pole tekstowe 3">
+            <a:extLst>
+              <a:ext uri="{FF2B5EF4-FFF2-40B4-BE49-F238E27FC236}">
+                <a16:creationId xmlns:a16="http://schemas.microsoft.com/office/drawing/2014/main" id="{206526DB-2D17-41CF-8083-6720AB3B5DEF}"/>
               </a:ext>
             </a:extLst>
           </p:cNvPr>
@@ -4737,8 +4331,8 @@
         </p:nvSpPr>
         <p:spPr>
           <a:xfrm>
-            <a:off x="2164702" y="2803848"/>
-            <a:ext cx="9549882" cy="3903504"/>
+            <a:off x="2641601" y="2017485"/>
+            <a:ext cx="8515048" cy="2814617"/>
           </a:xfrm>
           <a:prstGeom prst="rect">
             <a:avLst/>
@@ -4751,81 +4345,68 @@
           </a:bodyPr>
           <a:lstStyle/>
           <a:p>
-            <a:pPr marL="285750" indent="-285750">
+            <a:pPr marL="342900" indent="-342900" algn="just">
               <a:lnSpc>
                 <a:spcPct val="150000"/>
               </a:lnSpc>
-              <a:buFont typeface="Arial" panose="020B0604020202020204" pitchFamily="34" charset="0"/>
-              <a:buChar char="•"/>
+              <a:buFont typeface="+mj-lt"/>
+              <a:buAutoNum type="arabicPeriod"/>
             </a:pPr>
             <a:r>
-              <a:rPr lang="pl-PL" sz="2800" dirty="0"/>
-              <a:t>Przedstawienie tematu pracy zespołowej,</a:t>
-            </a:r>
-          </a:p>
-          <a:p>
-            <a:pPr marL="285750" indent="-285750">
+              <a:rPr lang="pl-PL" sz="2000" dirty="0"/>
+              <a:t>Przedstawienie wybranego tematu dostępnego w ramach Konferencji Projektów Zespołowych:</a:t>
+            </a:r>
+          </a:p>
+          <a:p>
+            <a:pPr marL="342900" indent="-342900" algn="just">
               <a:lnSpc>
                 <a:spcPct val="150000"/>
               </a:lnSpc>
-              <a:buFont typeface="Arial" panose="020B0604020202020204" pitchFamily="34" charset="0"/>
-              <a:buChar char="•"/>
+              <a:buFont typeface="+mj-lt"/>
+              <a:buAutoNum type="arabicPeriod"/>
             </a:pPr>
             <a:r>
-              <a:rPr lang="pl-PL" sz="2800" dirty="0"/>
-              <a:t>Technologia użyta do wykonania projektu,</a:t>
-            </a:r>
-          </a:p>
-          <a:p>
-            <a:pPr marL="285750" indent="-285750">
+              <a:rPr lang="pl-PL" sz="2000" dirty="0"/>
+              <a:t>Aspekty technologiczne związane z realizacją projektu,</a:t>
+            </a:r>
+          </a:p>
+          <a:p>
+            <a:pPr marL="342900" indent="-342900" algn="just">
               <a:lnSpc>
                 <a:spcPct val="150000"/>
               </a:lnSpc>
-              <a:buFont typeface="Arial" panose="020B0604020202020204" pitchFamily="34" charset="0"/>
-              <a:buChar char="•"/>
+              <a:buFont typeface="+mj-lt"/>
+              <a:buAutoNum type="arabicPeriod"/>
             </a:pPr>
             <a:r>
-              <a:rPr lang="pl-PL" sz="2800" dirty="0"/>
+              <a:rPr lang="pl-PL" sz="2000" dirty="0"/>
               <a:t>Harmonogram prac,</a:t>
             </a:r>
           </a:p>
           <a:p>
-            <a:pPr marL="285750" indent="-285750">
+            <a:pPr marL="342900" indent="-342900" algn="just">
               <a:lnSpc>
                 <a:spcPct val="150000"/>
               </a:lnSpc>
-              <a:buFont typeface="Arial" panose="020B0604020202020204" pitchFamily="34" charset="0"/>
-              <a:buChar char="•"/>
+              <a:buFont typeface="+mj-lt"/>
+              <a:buAutoNum type="arabicPeriod"/>
             </a:pPr>
             <a:r>
-              <a:rPr lang="pl-PL" sz="2800" dirty="0"/>
-              <a:t>Role,</a:t>
-            </a:r>
-          </a:p>
-          <a:p>
-            <a:pPr marL="285750" indent="-285750">
+              <a:rPr lang="pl-PL" sz="2000" dirty="0"/>
+              <a:t>Odpowiedzialności członków zespołu,</a:t>
+            </a:r>
+          </a:p>
+          <a:p>
+            <a:pPr marL="342900" indent="-342900" algn="just">
               <a:lnSpc>
                 <a:spcPct val="150000"/>
               </a:lnSpc>
-              <a:buFont typeface="Arial" panose="020B0604020202020204" pitchFamily="34" charset="0"/>
-              <a:buChar char="•"/>
+              <a:buFont typeface="+mj-lt"/>
+              <a:buAutoNum type="arabicPeriod"/>
             </a:pPr>
             <a:r>
-              <a:rPr lang="pl-PL" sz="2800" dirty="0"/>
-              <a:t>Koncept,</a:t>
-            </a:r>
-          </a:p>
-          <a:p>
-            <a:pPr marL="285750" indent="-285750">
-              <a:lnSpc>
-                <a:spcPct val="150000"/>
-              </a:lnSpc>
-              <a:buFont typeface="Arial" panose="020B0604020202020204" pitchFamily="34" charset="0"/>
-              <a:buChar char="•"/>
-            </a:pPr>
-            <a:r>
-              <a:rPr lang="pl-PL" sz="2800" dirty="0"/>
-              <a:t>Organizacja.</a:t>
+              <a:rPr lang="pl-PL" sz="2000" dirty="0"/>
+              <a:t>Koncepcja projektu.</a:t>
             </a:r>
           </a:p>
         </p:txBody>
@@ -4875,8 +4456,8 @@
         </p:nvSpPr>
         <p:spPr>
           <a:xfrm>
-            <a:off x="2108719" y="388842"/>
-            <a:ext cx="9605865" cy="1612574"/>
+            <a:off x="2641600" y="388842"/>
+            <a:ext cx="8515048" cy="1236758"/>
           </a:xfrm>
         </p:spPr>
         <p:txBody>
@@ -4889,9 +4470,8 @@
             <a:r>
               <a:rPr lang="pl-PL" sz="2800" dirty="0">
                 <a:latin typeface="Arial Black" panose="020B0A04020102020204" pitchFamily="34" charset="0"/>
-                <a:cs typeface="Times New Roman" panose="02020603050405020304" pitchFamily="18" charset="0"/>
               </a:rPr>
-              <a:t>Tematyka</a:t>
+              <a:t>Temat</a:t>
             </a:r>
             <a:endParaRPr lang="pl-PL" sz="3600" dirty="0">
               <a:latin typeface="Arial Black" panose="020B0A04020102020204" pitchFamily="34" charset="0"/>
@@ -4905,7 +4485,7 @@
           <p:cNvPr id="4" name="pole tekstowe 3">
             <a:extLst>
               <a:ext uri="{FF2B5EF4-FFF2-40B4-BE49-F238E27FC236}">
-                <a16:creationId xmlns:a16="http://schemas.microsoft.com/office/drawing/2014/main" id="{BDA95A6E-CDE3-4F05-B8F5-952E489E35E4}"/>
+                <a16:creationId xmlns:a16="http://schemas.microsoft.com/office/drawing/2014/main" id="{206526DB-2D17-41CF-8083-6720AB3B5DEF}"/>
               </a:ext>
             </a:extLst>
           </p:cNvPr>
@@ -4914,8 +4494,8 @@
         </p:nvSpPr>
         <p:spPr>
           <a:xfrm>
-            <a:off x="2189196" y="2006398"/>
-            <a:ext cx="9273309" cy="1508105"/>
+            <a:off x="2641600" y="2017485"/>
+            <a:ext cx="8515047" cy="967957"/>
           </a:xfrm>
           <a:prstGeom prst="rect">
             <a:avLst/>
@@ -4923,33 +4503,138 @@
           <a:noFill/>
         </p:spPr>
         <p:txBody>
-          <a:bodyPr wrap="square">
+          <a:bodyPr wrap="square" rtlCol="0">
             <a:spAutoFit/>
           </a:bodyPr>
           <a:lstStyle/>
           <a:p>
-            <a:pPr>
+            <a:pPr algn="just">
               <a:lnSpc>
                 <a:spcPct val="150000"/>
               </a:lnSpc>
             </a:pPr>
             <a:r>
-              <a:rPr lang="pl-PL" sz="2400" dirty="0"/>
-              <a:t>Webowa aplikacja do organizowania szkoleń.</a:t>
-            </a:r>
-          </a:p>
-          <a:p>
-            <a:br>
-              <a:rPr lang="pl-PL" sz="2800" dirty="0"/>
-            </a:br>
-            <a:endParaRPr lang="pl-PL" sz="2800" dirty="0"/>
-          </a:p>
-        </p:txBody>
-      </p:sp>
+              <a:rPr lang="pl-PL" sz="2000" dirty="0"/>
+              <a:t>Temat „</a:t>
+            </a:r>
+            <a:r>
+              <a:rPr lang="pl-PL" sz="2000" i="1" u="sng" dirty="0"/>
+              <a:t>Aplikacja do organizowania szkoleń</a:t>
+            </a:r>
+            <a:r>
+              <a:rPr lang="pl-PL" sz="2000" dirty="0"/>
+              <a:t>” proponowany w ramach KPZ 2021, zgłoszony został przez </a:t>
+            </a:r>
+            <a:r>
+              <a:rPr lang="pl-PL" sz="2000" u="sng" dirty="0" err="1"/>
+              <a:t>Comarch</a:t>
+            </a:r>
+            <a:r>
+              <a:rPr lang="pl-PL" sz="2000" u="sng" dirty="0"/>
+              <a:t> SA</a:t>
+            </a:r>
+            <a:r>
+              <a:rPr lang="pl-PL" sz="2000" dirty="0"/>
+              <a:t>.</a:t>
+            </a:r>
+          </a:p>
+        </p:txBody>
+      </p:sp>
+      <p:sp>
+        <p:nvSpPr>
+          <p:cNvPr id="3" name="pole tekstowe 2">
+            <a:extLst>
+              <a:ext uri="{FF2B5EF4-FFF2-40B4-BE49-F238E27FC236}">
+                <a16:creationId xmlns:a16="http://schemas.microsoft.com/office/drawing/2014/main" id="{231178CC-6574-49ED-98B6-170D597535A3}"/>
+              </a:ext>
+            </a:extLst>
+          </p:cNvPr>
+          <p:cNvSpPr txBox="1"/>
+          <p:nvPr/>
+        </p:nvSpPr>
+        <p:spPr>
+          <a:xfrm>
+            <a:off x="2641599" y="5268829"/>
+            <a:ext cx="8515047" cy="1323439"/>
+          </a:xfrm>
+          <a:prstGeom prst="rect">
+            <a:avLst/>
+          </a:prstGeom>
+          <a:noFill/>
+        </p:spPr>
+        <p:txBody>
+          <a:bodyPr wrap="square" rtlCol="0">
+            <a:spAutoFit/>
+          </a:bodyPr>
+          <a:lstStyle/>
+          <a:p>
+            <a:pPr algn="just"/>
+            <a:r>
+              <a:rPr lang="pl-PL" sz="2000" dirty="0"/>
+              <a:t>Zważywszy na rozpoznawalność oraz prestiż firmy, połączone z interesującą zespół tematyką, decyzja została podjęta jednogłośnie. Współpraca z </a:t>
+            </a:r>
+            <a:r>
+              <a:rPr lang="pl-PL" sz="2000" dirty="0" err="1"/>
+              <a:t>Comarch</a:t>
+            </a:r>
+            <a:r>
+              <a:rPr lang="pl-PL" sz="2000" dirty="0"/>
+              <a:t> pozwala liczyć na pozyskanie doświadczenia oraz potencjalne zwiększenie perspektyw w szeroko pojętej branży IT.</a:t>
+            </a:r>
+          </a:p>
+        </p:txBody>
+      </p:sp>
+      <p:pic>
+        <p:nvPicPr>
+          <p:cNvPr id="1026" name="Picture 2" descr="Usługi, systemy informatyczne i obsługa firm - opieka, rozwiązania IT -  COMARCH SA">
+            <a:extLst>
+              <a:ext uri="{FF2B5EF4-FFF2-40B4-BE49-F238E27FC236}">
+                <a16:creationId xmlns:a16="http://schemas.microsoft.com/office/drawing/2014/main" id="{B1771C9B-F5A0-4ACF-B980-AF6449E30E14}"/>
+              </a:ext>
+            </a:extLst>
+          </p:cNvPr>
+          <p:cNvPicPr>
+            <a:picLocks noChangeAspect="1" noChangeArrowheads="1"/>
+          </p:cNvPicPr>
+          <p:nvPr/>
+        </p:nvPicPr>
+        <p:blipFill>
+          <a:blip r:embed="rId2">
+            <a:extLst>
+              <a:ext uri="{28A0092B-C50C-407E-A947-70E740481C1C}">
+                <a14:useLocalDpi xmlns:a14="http://schemas.microsoft.com/office/drawing/2010/main" val="0"/>
+              </a:ext>
+            </a:extLst>
+          </a:blip>
+          <a:srcRect/>
+          <a:stretch>
+            <a:fillRect/>
+          </a:stretch>
+        </p:blipFill>
+        <p:spPr bwMode="auto">
+          <a:xfrm>
+            <a:off x="5577718" y="3429000"/>
+            <a:ext cx="2642810" cy="1387475"/>
+          </a:xfrm>
+          <a:prstGeom prst="rect">
+            <a:avLst/>
+          </a:prstGeom>
+          <a:noFill/>
+          <a:extLst>
+            <a:ext uri="{909E8E84-426E-40DD-AFC4-6F175D3DCCD1}">
+              <a14:hiddenFill xmlns:a14="http://schemas.microsoft.com/office/drawing/2010/main">
+                <a:solidFill>
+                  <a:srgbClr val="FFFFFF"/>
+                </a:solidFill>
+              </a14:hiddenFill>
+            </a:ext>
+          </a:extLst>
+        </p:spPr>
+      </p:pic>
     </p:spTree>
     <p:extLst>
       <p:ext uri="{BB962C8B-B14F-4D97-AF65-F5344CB8AC3E}">
-        <p14:creationId xmlns:p14="http://schemas.microsoft.com/office/powerpoint/2010/main" val="4278883772"/>
+        <p14:creationId xmlns:p14="http://schemas.microsoft.com/office/powerpoint/2010/main" val="2147338450"/>
       </p:ext>
     </p:extLst>
   </p:cSld>
@@ -4991,8 +4676,8 @@
         </p:nvSpPr>
         <p:spPr>
           <a:xfrm>
-            <a:off x="2108719" y="388842"/>
-            <a:ext cx="9605865" cy="1612574"/>
+            <a:off x="2641600" y="388842"/>
+            <a:ext cx="8515048" cy="1236758"/>
           </a:xfrm>
         </p:spPr>
         <p:txBody>
@@ -5005,7 +4690,6 @@
             <a:r>
               <a:rPr lang="pl-PL" sz="2800" dirty="0">
                 <a:latin typeface="Arial Black" panose="020B0A04020102020204" pitchFamily="34" charset="0"/>
-                <a:cs typeface="Times New Roman" panose="02020603050405020304" pitchFamily="18" charset="0"/>
               </a:rPr>
               <a:t>Technologie</a:t>
             </a:r>
@@ -5018,10 +4702,62 @@
       </p:sp>
       <p:sp>
         <p:nvSpPr>
-          <p:cNvPr id="3" name="pole tekstowe 2">
-            <a:extLst>
-              <a:ext uri="{FF2B5EF4-FFF2-40B4-BE49-F238E27FC236}">
-                <a16:creationId xmlns:a16="http://schemas.microsoft.com/office/drawing/2014/main" id="{7083CBA6-3912-4430-B1D0-1E5DABE19CDB}"/>
+          <p:cNvPr id="3" name="Owal 2">
+            <a:extLst>
+              <a:ext uri="{FF2B5EF4-FFF2-40B4-BE49-F238E27FC236}">
+                <a16:creationId xmlns:a16="http://schemas.microsoft.com/office/drawing/2014/main" id="{261DB0BD-7E1C-4455-BACF-EDA99144DBCC}"/>
+              </a:ext>
+            </a:extLst>
+          </p:cNvPr>
+          <p:cNvSpPr/>
+          <p:nvPr/>
+        </p:nvSpPr>
+        <p:spPr>
+          <a:xfrm>
+            <a:off x="2641600" y="2023142"/>
+            <a:ext cx="2211009" cy="1146628"/>
+          </a:xfrm>
+          <a:prstGeom prst="ellipse">
+            <a:avLst/>
+          </a:prstGeom>
+          <a:solidFill>
+            <a:schemeClr val="accent1">
+              <a:lumMod val="60000"/>
+              <a:lumOff val="40000"/>
+            </a:schemeClr>
+          </a:solidFill>
+        </p:spPr>
+        <p:style>
+          <a:lnRef idx="2">
+            <a:schemeClr val="accent1">
+              <a:shade val="50000"/>
+            </a:schemeClr>
+          </a:lnRef>
+          <a:fillRef idx="1">
+            <a:schemeClr val="accent1"/>
+          </a:fillRef>
+          <a:effectRef idx="0">
+            <a:schemeClr val="accent1"/>
+          </a:effectRef>
+          <a:fontRef idx="minor">
+            <a:schemeClr val="lt1"/>
+          </a:fontRef>
+        </p:style>
+        <p:txBody>
+          <a:bodyPr rtlCol="0" anchor="ctr"/>
+          <a:lstStyle/>
+          <a:p>
+            <a:pPr algn="ctr"/>
+            <a:endParaRPr lang="pl-PL"/>
+          </a:p>
+        </p:txBody>
+      </p:sp>
+      <p:sp>
+        <p:nvSpPr>
+          <p:cNvPr id="5" name="pole tekstowe 4">
+            <a:extLst>
+              <a:ext uri="{FF2B5EF4-FFF2-40B4-BE49-F238E27FC236}">
+                <a16:creationId xmlns:a16="http://schemas.microsoft.com/office/drawing/2014/main" id="{78BD9B7C-91FF-44B9-B120-B45E4EBA4CC9}"/>
               </a:ext>
             </a:extLst>
           </p:cNvPr>
@@ -5030,8 +4766,8 @@
         </p:nvSpPr>
         <p:spPr>
           <a:xfrm>
-            <a:off x="2108720" y="2365311"/>
-            <a:ext cx="9605864" cy="3539430"/>
+            <a:off x="2711752" y="2411790"/>
+            <a:ext cx="2070704" cy="369332"/>
           </a:xfrm>
           <a:prstGeom prst="rect">
             <a:avLst/>
@@ -5044,88 +4780,400 @@
           </a:bodyPr>
           <a:lstStyle/>
           <a:p>
-            <a:pPr algn="just"/>
-            <a:r>
-              <a:rPr lang="pl-PL" sz="2800" dirty="0" err="1"/>
-              <a:t>Backend</a:t>
-            </a:r>
-            <a:r>
-              <a:rPr lang="pl-PL" sz="2800" dirty="0"/>
-              <a:t>:</a:t>
-            </a:r>
-          </a:p>
-          <a:p>
-            <a:pPr marL="457200" indent="-457200" algn="just">
-              <a:buFont typeface="Arial" panose="020B0604020202020204" pitchFamily="34" charset="0"/>
-              <a:buChar char="•"/>
+            <a:pPr algn="ctr"/>
+            <a:r>
+              <a:rPr lang="pl-PL" dirty="0">
+                <a:solidFill>
+                  <a:schemeClr val="bg1"/>
+                </a:solidFill>
+              </a:rPr>
+              <a:t>BACK-END</a:t>
+            </a:r>
+          </a:p>
+        </p:txBody>
+      </p:sp>
+      <p:sp>
+        <p:nvSpPr>
+          <p:cNvPr id="6" name="Owal 5">
+            <a:extLst>
+              <a:ext uri="{FF2B5EF4-FFF2-40B4-BE49-F238E27FC236}">
+                <a16:creationId xmlns:a16="http://schemas.microsoft.com/office/drawing/2014/main" id="{28B06D5C-F5EB-42D4-B9B6-D9119D0240F3}"/>
+              </a:ext>
+            </a:extLst>
+          </p:cNvPr>
+          <p:cNvSpPr/>
+          <p:nvPr/>
+        </p:nvSpPr>
+        <p:spPr>
+          <a:xfrm>
+            <a:off x="8945639" y="2023142"/>
+            <a:ext cx="2211009" cy="1146628"/>
+          </a:xfrm>
+          <a:prstGeom prst="ellipse">
+            <a:avLst/>
+          </a:prstGeom>
+          <a:solidFill>
+            <a:schemeClr val="accent1">
+              <a:lumMod val="60000"/>
+              <a:lumOff val="40000"/>
+            </a:schemeClr>
+          </a:solidFill>
+        </p:spPr>
+        <p:style>
+          <a:lnRef idx="2">
+            <a:schemeClr val="accent1">
+              <a:shade val="50000"/>
+            </a:schemeClr>
+          </a:lnRef>
+          <a:fillRef idx="1">
+            <a:schemeClr val="accent1"/>
+          </a:fillRef>
+          <a:effectRef idx="0">
+            <a:schemeClr val="accent1"/>
+          </a:effectRef>
+          <a:fontRef idx="minor">
+            <a:schemeClr val="lt1"/>
+          </a:fontRef>
+        </p:style>
+        <p:txBody>
+          <a:bodyPr rtlCol="0" anchor="ctr"/>
+          <a:lstStyle/>
+          <a:p>
+            <a:pPr algn="ctr"/>
+            <a:endParaRPr lang="pl-PL"/>
+          </a:p>
+        </p:txBody>
+      </p:sp>
+      <p:sp>
+        <p:nvSpPr>
+          <p:cNvPr id="7" name="pole tekstowe 6">
+            <a:extLst>
+              <a:ext uri="{FF2B5EF4-FFF2-40B4-BE49-F238E27FC236}">
+                <a16:creationId xmlns:a16="http://schemas.microsoft.com/office/drawing/2014/main" id="{7E93430E-C14D-49F2-9A67-87C353B0771F}"/>
+              </a:ext>
+            </a:extLst>
+          </p:cNvPr>
+          <p:cNvSpPr txBox="1"/>
+          <p:nvPr/>
+        </p:nvSpPr>
+        <p:spPr>
+          <a:xfrm>
+            <a:off x="9015791" y="2411790"/>
+            <a:ext cx="2070704" cy="369332"/>
+          </a:xfrm>
+          <a:prstGeom prst="rect">
+            <a:avLst/>
+          </a:prstGeom>
+          <a:noFill/>
+        </p:spPr>
+        <p:txBody>
+          <a:bodyPr wrap="square" rtlCol="0">
+            <a:spAutoFit/>
+          </a:bodyPr>
+          <a:lstStyle/>
+          <a:p>
+            <a:pPr algn="ctr"/>
+            <a:r>
+              <a:rPr lang="pl-PL" dirty="0">
+                <a:solidFill>
+                  <a:schemeClr val="bg1"/>
+                </a:solidFill>
+              </a:rPr>
+              <a:t>FRONT-END</a:t>
+            </a:r>
+          </a:p>
+        </p:txBody>
+      </p:sp>
+      <p:sp>
+        <p:nvSpPr>
+          <p:cNvPr id="8" name="Owal 7">
+            <a:extLst>
+              <a:ext uri="{FF2B5EF4-FFF2-40B4-BE49-F238E27FC236}">
+                <a16:creationId xmlns:a16="http://schemas.microsoft.com/office/drawing/2014/main" id="{9647761A-C315-4C15-8907-2E3A9302B373}"/>
+              </a:ext>
+            </a:extLst>
+          </p:cNvPr>
+          <p:cNvSpPr/>
+          <p:nvPr/>
+        </p:nvSpPr>
+        <p:spPr>
+          <a:xfrm>
+            <a:off x="5793619" y="3169770"/>
+            <a:ext cx="2211009" cy="1146628"/>
+          </a:xfrm>
+          <a:prstGeom prst="ellipse">
+            <a:avLst/>
+          </a:prstGeom>
+          <a:solidFill>
+            <a:schemeClr val="accent1">
+              <a:lumMod val="60000"/>
+              <a:lumOff val="40000"/>
+            </a:schemeClr>
+          </a:solidFill>
+        </p:spPr>
+        <p:style>
+          <a:lnRef idx="2">
+            <a:schemeClr val="accent1">
+              <a:shade val="50000"/>
+            </a:schemeClr>
+          </a:lnRef>
+          <a:fillRef idx="1">
+            <a:schemeClr val="accent1"/>
+          </a:fillRef>
+          <a:effectRef idx="0">
+            <a:schemeClr val="accent1"/>
+          </a:effectRef>
+          <a:fontRef idx="minor">
+            <a:schemeClr val="lt1"/>
+          </a:fontRef>
+        </p:style>
+        <p:txBody>
+          <a:bodyPr rtlCol="0" anchor="ctr"/>
+          <a:lstStyle/>
+          <a:p>
+            <a:pPr algn="ctr"/>
+            <a:endParaRPr lang="pl-PL"/>
+          </a:p>
+        </p:txBody>
+      </p:sp>
+      <p:sp>
+        <p:nvSpPr>
+          <p:cNvPr id="9" name="pole tekstowe 8">
+            <a:extLst>
+              <a:ext uri="{FF2B5EF4-FFF2-40B4-BE49-F238E27FC236}">
+                <a16:creationId xmlns:a16="http://schemas.microsoft.com/office/drawing/2014/main" id="{DB7C5C50-2C0E-45B2-B635-6E6446FB9C4D}"/>
+              </a:ext>
+            </a:extLst>
+          </p:cNvPr>
+          <p:cNvSpPr txBox="1"/>
+          <p:nvPr/>
+        </p:nvSpPr>
+        <p:spPr>
+          <a:xfrm>
+            <a:off x="5863771" y="3419918"/>
+            <a:ext cx="2070704" cy="646331"/>
+          </a:xfrm>
+          <a:prstGeom prst="rect">
+            <a:avLst/>
+          </a:prstGeom>
+          <a:noFill/>
+        </p:spPr>
+        <p:txBody>
+          <a:bodyPr wrap="square" rtlCol="0">
+            <a:spAutoFit/>
+          </a:bodyPr>
+          <a:lstStyle/>
+          <a:p>
+            <a:pPr algn="ctr"/>
+            <a:r>
+              <a:rPr lang="pl-PL" dirty="0">
+                <a:solidFill>
+                  <a:schemeClr val="bg1"/>
+                </a:solidFill>
+              </a:rPr>
+              <a:t>KOMUNIKACJA</a:t>
+            </a:r>
+            <a:br>
+              <a:rPr lang="pl-PL" dirty="0">
+                <a:solidFill>
+                  <a:schemeClr val="bg1"/>
+                </a:solidFill>
+              </a:rPr>
+            </a:br>
+            <a:r>
+              <a:rPr lang="pl-PL" dirty="0">
+                <a:solidFill>
+                  <a:schemeClr val="bg1"/>
+                </a:solidFill>
+              </a:rPr>
+              <a:t>ZARZĄDZANIE</a:t>
+            </a:r>
+          </a:p>
+        </p:txBody>
+      </p:sp>
+      <p:sp>
+        <p:nvSpPr>
+          <p:cNvPr id="10" name="pole tekstowe 9">
+            <a:extLst>
+              <a:ext uri="{FF2B5EF4-FFF2-40B4-BE49-F238E27FC236}">
+                <a16:creationId xmlns:a16="http://schemas.microsoft.com/office/drawing/2014/main" id="{31C8076E-401D-49F2-BF6F-834425E16AAD}"/>
+              </a:ext>
+            </a:extLst>
+          </p:cNvPr>
+          <p:cNvSpPr txBox="1"/>
+          <p:nvPr/>
+        </p:nvSpPr>
+        <p:spPr>
+          <a:xfrm>
+            <a:off x="2641599" y="3347962"/>
+            <a:ext cx="2211009" cy="1429622"/>
+          </a:xfrm>
+          <a:prstGeom prst="rect">
+            <a:avLst/>
+          </a:prstGeom>
+          <a:noFill/>
+        </p:spPr>
+        <p:txBody>
+          <a:bodyPr wrap="square" rtlCol="0">
+            <a:spAutoFit/>
+          </a:bodyPr>
+          <a:lstStyle/>
+          <a:p>
+            <a:pPr algn="ctr">
+              <a:lnSpc>
+                <a:spcPct val="150000"/>
+              </a:lnSpc>
             </a:pPr>
             <a:r>
-              <a:rPr lang="pl-PL" sz="2800" dirty="0"/>
-              <a:t>Django + Python + MySQL</a:t>
-            </a:r>
-          </a:p>
-          <a:p>
-            <a:pPr algn="just"/>
-            <a:r>
-              <a:rPr lang="pl-PL" sz="2800" dirty="0" err="1"/>
-              <a:t>Frontend</a:t>
-            </a:r>
-            <a:r>
-              <a:rPr lang="pl-PL" sz="2800" dirty="0"/>
-              <a:t>:</a:t>
-            </a:r>
-          </a:p>
-          <a:p>
-            <a:pPr marL="457200" indent="-457200" algn="just">
-              <a:buFont typeface="Arial" panose="020B0604020202020204" pitchFamily="34" charset="0"/>
-              <a:buChar char="•"/>
+              <a:rPr lang="pl-PL" sz="2000" dirty="0" err="1"/>
+              <a:t>Python</a:t>
+            </a:r>
+            <a:endParaRPr lang="pl-PL" sz="2000" dirty="0"/>
+          </a:p>
+          <a:p>
+            <a:pPr algn="ctr">
+              <a:lnSpc>
+                <a:spcPct val="150000"/>
+              </a:lnSpc>
             </a:pPr>
             <a:r>
-              <a:rPr lang="pl-PL" sz="2800" dirty="0"/>
-              <a:t>strona wizualna HTML, CSS, JavaScript</a:t>
-            </a:r>
-          </a:p>
-          <a:p>
-            <a:pPr algn="just"/>
-            <a:r>
-              <a:rPr lang="pl-PL" sz="2800" dirty="0"/>
-              <a:t>Komunikacja:</a:t>
-            </a:r>
-          </a:p>
-          <a:p>
-            <a:pPr marL="457200" indent="-457200" algn="just">
-              <a:buFont typeface="Arial" panose="020B0604020202020204" pitchFamily="34" charset="0"/>
-              <a:buChar char="•"/>
+              <a:rPr lang="pl-PL" sz="2000" dirty="0" err="1"/>
+              <a:t>Django</a:t>
+            </a:r>
+            <a:endParaRPr lang="pl-PL" sz="2000" dirty="0"/>
+          </a:p>
+          <a:p>
+            <a:pPr algn="ctr">
+              <a:lnSpc>
+                <a:spcPct val="150000"/>
+              </a:lnSpc>
             </a:pPr>
             <a:r>
-              <a:rPr lang="pl-PL" sz="2800" dirty="0"/>
+              <a:rPr lang="pl-PL" sz="2000" dirty="0"/>
+              <a:t>MySQL</a:t>
+            </a:r>
+          </a:p>
+        </p:txBody>
+      </p:sp>
+      <p:sp>
+        <p:nvSpPr>
+          <p:cNvPr id="13" name="pole tekstowe 12">
+            <a:extLst>
+              <a:ext uri="{FF2B5EF4-FFF2-40B4-BE49-F238E27FC236}">
+                <a16:creationId xmlns:a16="http://schemas.microsoft.com/office/drawing/2014/main" id="{C29BAD23-7445-4A8C-874F-BA9F89D2DE25}"/>
+              </a:ext>
+            </a:extLst>
+          </p:cNvPr>
+          <p:cNvSpPr txBox="1"/>
+          <p:nvPr/>
+        </p:nvSpPr>
+        <p:spPr>
+          <a:xfrm>
+            <a:off x="8945638" y="3429000"/>
+            <a:ext cx="2211009" cy="967957"/>
+          </a:xfrm>
+          <a:prstGeom prst="rect">
+            <a:avLst/>
+          </a:prstGeom>
+          <a:noFill/>
+        </p:spPr>
+        <p:txBody>
+          <a:bodyPr wrap="square" rtlCol="0">
+            <a:spAutoFit/>
+          </a:bodyPr>
+          <a:lstStyle/>
+          <a:p>
+            <a:pPr algn="ctr">
+              <a:lnSpc>
+                <a:spcPct val="150000"/>
+              </a:lnSpc>
+            </a:pPr>
+            <a:r>
+              <a:rPr lang="pl-PL" sz="2000" dirty="0"/>
+              <a:t>HTML/CSS</a:t>
+            </a:r>
+          </a:p>
+          <a:p>
+            <a:pPr algn="ctr">
+              <a:lnSpc>
+                <a:spcPct val="150000"/>
+              </a:lnSpc>
+            </a:pPr>
+            <a:r>
+              <a:rPr lang="pl-PL" sz="2000" dirty="0"/>
+              <a:t>JavaScript</a:t>
+            </a:r>
+          </a:p>
+        </p:txBody>
+      </p:sp>
+      <p:sp>
+        <p:nvSpPr>
+          <p:cNvPr id="14" name="pole tekstowe 13">
+            <a:extLst>
+              <a:ext uri="{FF2B5EF4-FFF2-40B4-BE49-F238E27FC236}">
+                <a16:creationId xmlns:a16="http://schemas.microsoft.com/office/drawing/2014/main" id="{6BA34752-92B8-48AC-B2B5-22A1C182ED96}"/>
+              </a:ext>
+            </a:extLst>
+          </p:cNvPr>
+          <p:cNvSpPr txBox="1"/>
+          <p:nvPr/>
+        </p:nvSpPr>
+        <p:spPr>
+          <a:xfrm>
+            <a:off x="5793620" y="4643830"/>
+            <a:ext cx="2211008" cy="1429622"/>
+          </a:xfrm>
+          <a:prstGeom prst="rect">
+            <a:avLst/>
+          </a:prstGeom>
+          <a:noFill/>
+        </p:spPr>
+        <p:txBody>
+          <a:bodyPr wrap="square" rtlCol="0">
+            <a:spAutoFit/>
+          </a:bodyPr>
+          <a:lstStyle/>
+          <a:p>
+            <a:pPr algn="ctr">
+              <a:lnSpc>
+                <a:spcPct val="150000"/>
+              </a:lnSpc>
+            </a:pPr>
+            <a:r>
+              <a:rPr lang="pl-PL" sz="2000" dirty="0"/>
               <a:t>GIT</a:t>
             </a:r>
           </a:p>
           <a:p>
-            <a:pPr marL="457200" indent="-457200" algn="just">
-              <a:buFont typeface="Arial" panose="020B0604020202020204" pitchFamily="34" charset="0"/>
-              <a:buChar char="•"/>
+            <a:pPr algn="ctr">
+              <a:lnSpc>
+                <a:spcPct val="150000"/>
+              </a:lnSpc>
             </a:pPr>
             <a:r>
-              <a:rPr lang="pl-PL" sz="2800" dirty="0" err="1"/>
+              <a:rPr lang="pl-PL" sz="2000" dirty="0" err="1"/>
               <a:t>Trello</a:t>
             </a:r>
-            <a:endParaRPr lang="pl-PL" sz="2800" dirty="0"/>
-          </a:p>
-          <a:p>
-            <a:pPr marL="457200" indent="-457200" algn="just">
-              <a:buFont typeface="Arial" panose="020B0604020202020204" pitchFamily="34" charset="0"/>
-              <a:buChar char="•"/>
+            <a:endParaRPr lang="pl-PL" sz="2000" dirty="0"/>
+          </a:p>
+          <a:p>
+            <a:pPr algn="ctr">
+              <a:lnSpc>
+                <a:spcPct val="150000"/>
+              </a:lnSpc>
             </a:pPr>
-            <a:endParaRPr lang="pl-PL" sz="2800" dirty="0"/>
+            <a:r>
+              <a:rPr lang="pl-PL" sz="2000" dirty="0" err="1"/>
+              <a:t>Discord</a:t>
+            </a:r>
+            <a:endParaRPr lang="pl-PL" sz="2000" dirty="0"/>
           </a:p>
         </p:txBody>
       </p:sp>
     </p:spTree>
     <p:extLst>
       <p:ext uri="{BB962C8B-B14F-4D97-AF65-F5344CB8AC3E}">
-        <p14:creationId xmlns:p14="http://schemas.microsoft.com/office/powerpoint/2010/main" val="4174249433"/>
+        <p14:creationId xmlns:p14="http://schemas.microsoft.com/office/powerpoint/2010/main" val="2397277568"/>
       </p:ext>
     </p:extLst>
   </p:cSld>
@@ -5167,8 +5215,8 @@
         </p:nvSpPr>
         <p:spPr>
           <a:xfrm>
-            <a:off x="2108719" y="388842"/>
-            <a:ext cx="9605865" cy="1612574"/>
+            <a:off x="2641600" y="388842"/>
+            <a:ext cx="8515048" cy="1236758"/>
           </a:xfrm>
         </p:spPr>
         <p:txBody>
@@ -5181,7 +5229,6 @@
             <a:r>
               <a:rPr lang="pl-PL" sz="2800" dirty="0">
                 <a:latin typeface="Arial Black" panose="020B0A04020102020204" pitchFamily="34" charset="0"/>
-                <a:cs typeface="Times New Roman" panose="02020603050405020304" pitchFamily="18" charset="0"/>
               </a:rPr>
               <a:t>Harmonogram prac</a:t>
             </a:r>
@@ -5194,10 +5241,10 @@
       </p:sp>
       <p:sp>
         <p:nvSpPr>
-          <p:cNvPr id="3" name="pole tekstowe 2">
-            <a:extLst>
-              <a:ext uri="{FF2B5EF4-FFF2-40B4-BE49-F238E27FC236}">
-                <a16:creationId xmlns:a16="http://schemas.microsoft.com/office/drawing/2014/main" id="{7083CBA6-3912-4430-B1D0-1E5DABE19CDB}"/>
+          <p:cNvPr id="4" name="pole tekstowe 3">
+            <a:extLst>
+              <a:ext uri="{FF2B5EF4-FFF2-40B4-BE49-F238E27FC236}">
+                <a16:creationId xmlns:a16="http://schemas.microsoft.com/office/drawing/2014/main" id="{206526DB-2D17-41CF-8083-6720AB3B5DEF}"/>
               </a:ext>
             </a:extLst>
           </p:cNvPr>
@@ -5206,8 +5253,8 @@
         </p:nvSpPr>
         <p:spPr>
           <a:xfrm>
-            <a:off x="2108720" y="2365311"/>
-            <a:ext cx="9605864" cy="3108543"/>
+            <a:off x="2119086" y="2017485"/>
+            <a:ext cx="9589104" cy="4204356"/>
           </a:xfrm>
           <a:prstGeom prst="rect">
             <a:avLst/>
@@ -5220,43 +5267,120 @@
           </a:bodyPr>
           <a:lstStyle/>
           <a:p>
-            <a:pPr marL="457200" indent="-457200" algn="just">
+            <a:pPr marL="342900" indent="-342900" algn="just">
+              <a:lnSpc>
+                <a:spcPct val="150000"/>
+              </a:lnSpc>
+              <a:buFont typeface="+mj-lt"/>
+              <a:buAutoNum type="arabicPeriod"/>
+            </a:pPr>
+            <a:r>
+              <a:rPr lang="pl-PL" dirty="0"/>
+              <a:t>Analiza rynku:</a:t>
+            </a:r>
+          </a:p>
+          <a:p>
+            <a:pPr marL="742950" lvl="1" indent="-285750" algn="just">
+              <a:lnSpc>
+                <a:spcPct val="150000"/>
+              </a:lnSpc>
               <a:buFont typeface="Arial" panose="020B0604020202020204" pitchFamily="34" charset="0"/>
               <a:buChar char="•"/>
             </a:pPr>
             <a:r>
-              <a:rPr lang="pl-PL" sz="2800" dirty="0"/>
-              <a:t>Przetestowanie podobnych istniejących już rozwiązań (badanie rynku),</a:t>
-            </a:r>
-          </a:p>
-          <a:p>
-            <a:pPr marL="457200" indent="-457200" algn="just">
+              <a:rPr lang="pl-PL" dirty="0"/>
+              <a:t>Obecnie dostępne, wykorzystywane oraz cenione rozwiązania o zbliżonej charakterystyce,</a:t>
+            </a:r>
+          </a:p>
+          <a:p>
+            <a:pPr marL="742950" lvl="1" indent="-285750" algn="just">
+              <a:lnSpc>
+                <a:spcPct val="150000"/>
+              </a:lnSpc>
               <a:buFont typeface="Arial" panose="020B0604020202020204" pitchFamily="34" charset="0"/>
               <a:buChar char="•"/>
             </a:pPr>
             <a:r>
-              <a:rPr lang="pl-PL" sz="2800" dirty="0"/>
-              <a:t>Stworzenie scenariuszy użycia dla lepszego zrozumienia projektu,</a:t>
-            </a:r>
-          </a:p>
-          <a:p>
-            <a:pPr marL="457200" indent="-457200" algn="just">
+              <a:rPr lang="pl-PL" dirty="0"/>
+              <a:t>Zrozumienie potrzeb użytkowników aplikacji.</a:t>
+            </a:r>
+          </a:p>
+          <a:p>
+            <a:pPr marL="342900" indent="-342900" algn="just">
+              <a:lnSpc>
+                <a:spcPct val="150000"/>
+              </a:lnSpc>
+              <a:buFont typeface="+mj-lt"/>
+              <a:buAutoNum type="arabicPeriod"/>
+            </a:pPr>
+            <a:r>
+              <a:rPr lang="pl-PL" dirty="0"/>
+              <a:t>Sporządzenie listy scenariuszy potencjalnego wykorzystania aplikacji z wyszczególnieniem:</a:t>
+            </a:r>
+          </a:p>
+          <a:p>
+            <a:pPr marL="742950" lvl="1" indent="-285750" algn="just">
+              <a:lnSpc>
+                <a:spcPct val="150000"/>
+              </a:lnSpc>
               <a:buFont typeface="Arial" panose="020B0604020202020204" pitchFamily="34" charset="0"/>
               <a:buChar char="•"/>
             </a:pPr>
             <a:r>
-              <a:rPr lang="pl-PL" sz="2800" dirty="0"/>
-              <a:t>Podział zadań pomiędzy członków drużyny,</a:t>
-            </a:r>
-          </a:p>
-          <a:p>
-            <a:pPr marL="457200" indent="-457200" algn="just">
+              <a:rPr lang="pl-PL" dirty="0"/>
+              <a:t>Podmiotów oraz ich ról,</a:t>
+            </a:r>
+          </a:p>
+          <a:p>
+            <a:pPr marL="742950" lvl="1" indent="-285750" algn="just">
+              <a:lnSpc>
+                <a:spcPct val="150000"/>
+              </a:lnSpc>
               <a:buFont typeface="Arial" panose="020B0604020202020204" pitchFamily="34" charset="0"/>
               <a:buChar char="•"/>
             </a:pPr>
             <a:r>
-              <a:rPr lang="pl-PL" sz="2800" dirty="0"/>
-              <a:t>Implementacja oraz bieżące wprowadzanie zmian do koncepcji jeśli potrzebne.</a:t>
+              <a:rPr lang="pl-PL" dirty="0"/>
+              <a:t>Niezbędnych założeń,</a:t>
+            </a:r>
+          </a:p>
+          <a:p>
+            <a:pPr marL="742950" lvl="1" indent="-285750" algn="just">
+              <a:lnSpc>
+                <a:spcPct val="150000"/>
+              </a:lnSpc>
+              <a:buFont typeface="Arial" panose="020B0604020202020204" pitchFamily="34" charset="0"/>
+              <a:buChar char="•"/>
+            </a:pPr>
+            <a:r>
+              <a:rPr lang="pl-PL" dirty="0"/>
+              <a:t>Pożądanego wyniku, podsumowującego dany scenariusz.</a:t>
+            </a:r>
+          </a:p>
+          <a:p>
+            <a:pPr marL="342900" indent="-342900" algn="just">
+              <a:lnSpc>
+                <a:spcPct val="150000"/>
+              </a:lnSpc>
+              <a:buFont typeface="+mj-lt"/>
+              <a:buAutoNum type="arabicPeriod"/>
+            </a:pPr>
+            <a:r>
+              <a:rPr lang="pl-PL" dirty="0"/>
+              <a:t>Podział obowiązków pomiędzy wszystkimi członkami zespołu,</a:t>
+            </a:r>
+          </a:p>
+          <a:p>
+            <a:pPr marL="342900" indent="-342900" algn="just">
+              <a:lnSpc>
+                <a:spcPct val="150000"/>
+              </a:lnSpc>
+              <a:buFont typeface="+mj-lt"/>
+              <a:buAutoNum type="arabicPeriod"/>
+            </a:pPr>
+            <a:r>
+              <a:rPr lang="pl-PL" dirty="0"/>
+              <a:t>Implementacja odpowiednich rozwiązań. Reagowanie na zmiany dynamiki wydarzeń. Konsultowanie oraz wprowadzanie zmian konceptu, w przypadku zaistniałej potrzeby. </a:t>
             </a:r>
           </a:p>
         </p:txBody>
@@ -5264,7 +5388,7 @@
     </p:spTree>
     <p:extLst>
       <p:ext uri="{BB962C8B-B14F-4D97-AF65-F5344CB8AC3E}">
-        <p14:creationId xmlns:p14="http://schemas.microsoft.com/office/powerpoint/2010/main" val="1978513826"/>
+        <p14:creationId xmlns:p14="http://schemas.microsoft.com/office/powerpoint/2010/main" val="1204666050"/>
       </p:ext>
     </p:extLst>
   </p:cSld>
@@ -5306,8 +5430,8 @@
         </p:nvSpPr>
         <p:spPr>
           <a:xfrm>
-            <a:off x="2108719" y="388842"/>
-            <a:ext cx="9605865" cy="1612574"/>
+            <a:off x="2641600" y="388842"/>
+            <a:ext cx="8515048" cy="1236758"/>
           </a:xfrm>
         </p:spPr>
         <p:txBody>
@@ -5322,7 +5446,7 @@
                 <a:latin typeface="Arial Black" panose="020B0A04020102020204" pitchFamily="34" charset="0"/>
                 <a:cs typeface="Times New Roman" panose="02020603050405020304" pitchFamily="18" charset="0"/>
               </a:rPr>
-              <a:t>Role</a:t>
+              <a:t>Odpowiedzialności członków zespołu</a:t>
             </a:r>
             <a:endParaRPr lang="pl-PL" sz="3600" dirty="0">
               <a:latin typeface="Arial Black" panose="020B0A04020102020204" pitchFamily="34" charset="0"/>
@@ -5333,10 +5457,10 @@
       </p:sp>
       <p:sp>
         <p:nvSpPr>
-          <p:cNvPr id="3" name="pole tekstowe 2">
-            <a:extLst>
-              <a:ext uri="{FF2B5EF4-FFF2-40B4-BE49-F238E27FC236}">
-                <a16:creationId xmlns:a16="http://schemas.microsoft.com/office/drawing/2014/main" id="{7083CBA6-3912-4430-B1D0-1E5DABE19CDB}"/>
+          <p:cNvPr id="4" name="pole tekstowe 3">
+            <a:extLst>
+              <a:ext uri="{FF2B5EF4-FFF2-40B4-BE49-F238E27FC236}">
+                <a16:creationId xmlns:a16="http://schemas.microsoft.com/office/drawing/2014/main" id="{206526DB-2D17-41CF-8083-6720AB3B5DEF}"/>
               </a:ext>
             </a:extLst>
           </p:cNvPr>
@@ -5345,8 +5469,8 @@
         </p:nvSpPr>
         <p:spPr>
           <a:xfrm>
-            <a:off x="2108720" y="2365311"/>
-            <a:ext cx="9605864" cy="3539430"/>
+            <a:off x="2641600" y="2017485"/>
+            <a:ext cx="8515048" cy="923330"/>
           </a:xfrm>
           <a:prstGeom prst="rect">
             <a:avLst/>
@@ -5361,52 +5485,125 @@
           <a:p>
             <a:pPr algn="just"/>
             <a:r>
-              <a:rPr lang="pl-PL" sz="2800" dirty="0"/>
-              <a:t>Bartosz Kustra – dokumentacja, scenariusze użycia</a:t>
-            </a:r>
-          </a:p>
-          <a:p>
-            <a:pPr algn="just"/>
-            <a:r>
-              <a:rPr lang="pl-PL" sz="2800" dirty="0"/>
-              <a:t>Tomasz Nadrowski – programista</a:t>
-            </a:r>
-          </a:p>
-          <a:p>
-            <a:pPr algn="just"/>
-            <a:r>
-              <a:rPr lang="pl-PL" sz="2800" dirty="0"/>
-              <a:t>Michał Rudawski – programista</a:t>
-            </a:r>
-          </a:p>
-          <a:p>
-            <a:pPr algn="just"/>
-            <a:r>
-              <a:rPr lang="pl-PL" sz="2800" dirty="0"/>
-              <a:t>Bartosz Żurakowski – programista</a:t>
-            </a:r>
-          </a:p>
-          <a:p>
-            <a:pPr algn="just"/>
-            <a:endParaRPr lang="pl-PL" sz="2800" dirty="0"/>
-          </a:p>
-          <a:p>
-            <a:pPr algn="just"/>
-            <a:r>
-              <a:rPr lang="pl-PL" sz="2800" dirty="0"/>
-              <a:t>Ponadto wszyscy członkowie zespołu będą odpowiedzialni za szczegółowy koncept projektu.</a:t>
-            </a:r>
-          </a:p>
-          <a:p>
-            <a:pPr algn="just"/>
-            <a:endParaRPr lang="pl-PL" sz="2800" dirty="0"/>
+              <a:rPr lang="pl-PL"/>
+              <a:t>Poniższa </a:t>
+            </a:r>
+            <a:r>
+              <a:rPr lang="pl-PL" dirty="0"/>
+              <a:t>lista obrazuje jedynie wstępne założenia dotyczące rozkładu pracy wśród członków zespołu. Finalnie mogą one ulegać zmianie, na podstawie czynników takich jak: umiejętności czy doświadczenie.</a:t>
+            </a:r>
+          </a:p>
+        </p:txBody>
+      </p:sp>
+      <p:sp>
+        <p:nvSpPr>
+          <p:cNvPr id="3" name="pole tekstowe 2">
+            <a:extLst>
+              <a:ext uri="{FF2B5EF4-FFF2-40B4-BE49-F238E27FC236}">
+                <a16:creationId xmlns:a16="http://schemas.microsoft.com/office/drawing/2014/main" id="{D52FA5D4-4A06-424B-B28C-ACC9A108286F}"/>
+              </a:ext>
+            </a:extLst>
+          </p:cNvPr>
+          <p:cNvSpPr txBox="1"/>
+          <p:nvPr/>
+        </p:nvSpPr>
+        <p:spPr>
+          <a:xfrm>
+            <a:off x="2641600" y="3244334"/>
+            <a:ext cx="8515048" cy="3139321"/>
+          </a:xfrm>
+          <a:prstGeom prst="rect">
+            <a:avLst/>
+          </a:prstGeom>
+          <a:noFill/>
+        </p:spPr>
+        <p:txBody>
+          <a:bodyPr wrap="square" rtlCol="0">
+            <a:spAutoFit/>
+          </a:bodyPr>
+          <a:lstStyle/>
+          <a:p>
+            <a:pPr marL="285750" indent="-285750">
+              <a:buFont typeface="Arial" panose="020B0604020202020204" pitchFamily="34" charset="0"/>
+              <a:buChar char="•"/>
+            </a:pPr>
+            <a:r>
+              <a:rPr lang="pl-PL" dirty="0"/>
+              <a:t>Bartosz Kustra – programowanie </a:t>
+            </a:r>
+            <a:r>
+              <a:rPr lang="pl-PL" dirty="0" err="1"/>
+              <a:t>back</a:t>
+            </a:r>
+            <a:r>
+              <a:rPr lang="pl-PL" dirty="0"/>
+              <a:t>-end, sporządzanie dokumentacji oraz scenariuszy użycia,</a:t>
+            </a:r>
+            <a:br>
+              <a:rPr lang="pl-PL" dirty="0"/>
+            </a:br>
+            <a:endParaRPr lang="pl-PL" dirty="0"/>
+          </a:p>
+          <a:p>
+            <a:pPr marL="285750" indent="-285750">
+              <a:buFont typeface="Arial" panose="020B0604020202020204" pitchFamily="34" charset="0"/>
+              <a:buChar char="•"/>
+            </a:pPr>
+            <a:r>
+              <a:rPr lang="pl-PL" dirty="0"/>
+              <a:t>Tomasz Nadrowski – programowanie: koordynacja połączenia </a:t>
+            </a:r>
+            <a:r>
+              <a:rPr lang="pl-PL" dirty="0" err="1"/>
+              <a:t>back</a:t>
+            </a:r>
+            <a:r>
+              <a:rPr lang="pl-PL" dirty="0"/>
+              <a:t>-end i front-end, zarządzanie repozytorium,</a:t>
+            </a:r>
+            <a:br>
+              <a:rPr lang="pl-PL" dirty="0"/>
+            </a:br>
+            <a:endParaRPr lang="pl-PL" dirty="0"/>
+          </a:p>
+          <a:p>
+            <a:pPr marL="285750" indent="-285750">
+              <a:buFont typeface="Arial" panose="020B0604020202020204" pitchFamily="34" charset="0"/>
+              <a:buChar char="•"/>
+            </a:pPr>
+            <a:r>
+              <a:rPr lang="pl-PL" dirty="0"/>
+              <a:t>Michał Rudawski – programowanie: implementacja funkcjonalności w sferze front-end, koordynacja aspektów wizualnych aplikacji,</a:t>
+            </a:r>
+            <a:br>
+              <a:rPr lang="pl-PL" dirty="0"/>
+            </a:br>
+            <a:endParaRPr lang="pl-PL" dirty="0"/>
+          </a:p>
+          <a:p>
+            <a:pPr marL="285750" indent="-285750">
+              <a:buFont typeface="Arial" panose="020B0604020202020204" pitchFamily="34" charset="0"/>
+              <a:buChar char="•"/>
+            </a:pPr>
+            <a:r>
+              <a:rPr lang="pl-PL" dirty="0"/>
+              <a:t>Bartosz Żurakowski – programowanie </a:t>
+            </a:r>
+            <a:r>
+              <a:rPr lang="pl-PL" dirty="0" err="1"/>
+              <a:t>back</a:t>
+            </a:r>
+            <a:r>
+              <a:rPr lang="pl-PL" dirty="0"/>
+              <a:t>-end, przeprowadzanie testów zaimplementowanych funkcjonalności.</a:t>
+            </a:r>
           </a:p>
         </p:txBody>
       </p:sp>
     </p:spTree>
     <p:extLst>
       <p:ext uri="{BB962C8B-B14F-4D97-AF65-F5344CB8AC3E}">
-        <p14:creationId xmlns:p14="http://schemas.microsoft.com/office/powerpoint/2010/main" val="4243497791"/>
+        <p14:creationId xmlns:p14="http://schemas.microsoft.com/office/powerpoint/2010/main" val="3488832540"/>
       </p:ext>
     </p:extLst>
   </p:cSld>
@@ -5448,8 +5645,8 @@
         </p:nvSpPr>
         <p:spPr>
           <a:xfrm>
-            <a:off x="2108719" y="388842"/>
-            <a:ext cx="9605865" cy="1612574"/>
+            <a:off x="2641600" y="388842"/>
+            <a:ext cx="8515048" cy="1236758"/>
           </a:xfrm>
         </p:spPr>
         <p:txBody>
@@ -5464,7 +5661,7 @@
                 <a:latin typeface="Arial Black" panose="020B0A04020102020204" pitchFamily="34" charset="0"/>
                 <a:cs typeface="Times New Roman" panose="02020603050405020304" pitchFamily="18" charset="0"/>
               </a:rPr>
-              <a:t>Koncept</a:t>
+              <a:t>Koncepcja projektu</a:t>
             </a:r>
             <a:endParaRPr lang="pl-PL" sz="3600" dirty="0">
               <a:latin typeface="Arial Black" panose="020B0A04020102020204" pitchFamily="34" charset="0"/>
@@ -5475,10 +5672,10 @@
       </p:sp>
       <p:sp>
         <p:nvSpPr>
-          <p:cNvPr id="5" name="pole tekstowe 4">
-            <a:extLst>
-              <a:ext uri="{FF2B5EF4-FFF2-40B4-BE49-F238E27FC236}">
-                <a16:creationId xmlns:a16="http://schemas.microsoft.com/office/drawing/2014/main" id="{431ADE75-CBBE-4EC7-A057-DF668A0092C1}"/>
+          <p:cNvPr id="4" name="pole tekstowe 3">
+            <a:extLst>
+              <a:ext uri="{FF2B5EF4-FFF2-40B4-BE49-F238E27FC236}">
+                <a16:creationId xmlns:a16="http://schemas.microsoft.com/office/drawing/2014/main" id="{206526DB-2D17-41CF-8083-6720AB3B5DEF}"/>
               </a:ext>
             </a:extLst>
           </p:cNvPr>
@@ -5487,8 +5684,8 @@
         </p:nvSpPr>
         <p:spPr>
           <a:xfrm>
-            <a:off x="2108720" y="2365311"/>
-            <a:ext cx="9605864" cy="3170099"/>
+            <a:off x="2641600" y="2017485"/>
+            <a:ext cx="8515048" cy="3788858"/>
           </a:xfrm>
           <a:prstGeom prst="rect">
             <a:avLst/>
@@ -5501,67 +5698,75 @@
           </a:bodyPr>
           <a:lstStyle/>
           <a:p>
-            <a:pPr algn="just"/>
-            <a:r>
-              <a:rPr lang="pl-PL" sz="2000" dirty="0"/>
+            <a:pPr algn="just">
+              <a:lnSpc>
+                <a:spcPct val="150000"/>
+              </a:lnSpc>
+            </a:pPr>
+            <a:r>
+              <a:rPr lang="pl-PL" dirty="0"/>
               <a:t>Aplikacja webowa służąca do organizowania szkoleń od pracowników dla pracowników w firmie </a:t>
             </a:r>
             <a:r>
-              <a:rPr lang="pl-PL" sz="2000" dirty="0" err="1"/>
+              <a:rPr lang="pl-PL" dirty="0" err="1"/>
               <a:t>Comarch</a:t>
             </a:r>
             <a:r>
-              <a:rPr lang="pl-PL" sz="2000" dirty="0"/>
+              <a:rPr lang="pl-PL" dirty="0"/>
               <a:t>.</a:t>
             </a:r>
           </a:p>
           <a:p>
-            <a:pPr algn="just"/>
-            <a:r>
-              <a:rPr lang="pl-PL" sz="2000" dirty="0"/>
+            <a:pPr algn="just">
+              <a:lnSpc>
+                <a:spcPct val="150000"/>
+              </a:lnSpc>
+            </a:pPr>
+            <a:r>
+              <a:rPr lang="pl-PL" dirty="0"/>
               <a:t>Aplikacja będzie oferować:</a:t>
             </a:r>
           </a:p>
           <a:p>
             <a:pPr marL="342900" indent="-342900" algn="just">
+              <a:lnSpc>
+                <a:spcPct val="150000"/>
+              </a:lnSpc>
               <a:buFont typeface="Arial" panose="020B0604020202020204" pitchFamily="34" charset="0"/>
               <a:buChar char="•"/>
             </a:pPr>
             <a:r>
-              <a:rPr lang="pl-PL" sz="2000" dirty="0"/>
+              <a:rPr lang="pl-PL" dirty="0"/>
               <a:t>możliwość logowania się na stronie, </a:t>
             </a:r>
           </a:p>
           <a:p>
-            <a:pPr marL="342900" indent="-342900" algn="l">
+            <a:pPr marL="342900" indent="-342900">
+              <a:lnSpc>
+                <a:spcPct val="150000"/>
+              </a:lnSpc>
               <a:buFont typeface="Arial" panose="020B0604020202020204" pitchFamily="34" charset="0"/>
               <a:buChar char="•"/>
             </a:pPr>
             <a:r>
-              <a:rPr lang="pl-PL" sz="2000" dirty="0">
+              <a:rPr lang="pl-PL" dirty="0">
                 <a:solidFill>
                   <a:srgbClr val="333333"/>
                 </a:solidFill>
               </a:rPr>
-              <a:t>tw</a:t>
-            </a:r>
-            <a:r>
-              <a:rPr lang="pl-PL" sz="2000" b="0" dirty="0">
-                <a:solidFill>
-                  <a:srgbClr val="333333"/>
-                </a:solidFill>
-                <a:effectLst/>
-              </a:rPr>
-              <a:t>orzenie i przeglądanie szkoleń,</a:t>
-            </a:r>
-          </a:p>
-          <a:p>
-            <a:pPr marL="342900" indent="-342900" algn="l">
+              <a:t>tworzenie i przeglądanie szkoleń,</a:t>
+            </a:r>
+          </a:p>
+          <a:p>
+            <a:pPr marL="342900" indent="-342900">
+              <a:lnSpc>
+                <a:spcPct val="150000"/>
+              </a:lnSpc>
               <a:buFont typeface="Arial" panose="020B0604020202020204" pitchFamily="34" charset="0"/>
               <a:buChar char="•"/>
             </a:pPr>
             <a:r>
-              <a:rPr lang="pl-PL" sz="2000" dirty="0">
+              <a:rPr lang="pl-PL" dirty="0">
                 <a:solidFill>
                   <a:srgbClr val="333333"/>
                 </a:solidFill>
@@ -5570,65 +5775,45 @@
             </a:r>
           </a:p>
           <a:p>
-            <a:pPr marL="342900" indent="-342900" algn="l">
+            <a:pPr marL="342900" indent="-342900">
+              <a:lnSpc>
+                <a:spcPct val="150000"/>
+              </a:lnSpc>
               <a:buFont typeface="Arial" panose="020B0604020202020204" pitchFamily="34" charset="0"/>
               <a:buChar char="•"/>
             </a:pPr>
             <a:r>
-              <a:rPr lang="pl-PL" sz="2000" dirty="0">
+              <a:rPr lang="pl-PL" dirty="0">
                 <a:solidFill>
                   <a:srgbClr val="333333"/>
                 </a:solidFill>
               </a:rPr>
-              <a:t>w</a:t>
-            </a:r>
-            <a:r>
-              <a:rPr lang="pl-PL" sz="2000" b="0" dirty="0">
-                <a:solidFill>
-                  <a:srgbClr val="333333"/>
-                </a:solidFill>
-                <a:effectLst/>
-              </a:rPr>
-              <a:t>yra</a:t>
-            </a:r>
-            <a:r>
-              <a:rPr lang="pl-PL" sz="2000" dirty="0">
+              <a:t>wyrażania chęci poprowadzenia szkolenia,</a:t>
+            </a:r>
+          </a:p>
+          <a:p>
+            <a:pPr marL="342900" indent="-342900">
+              <a:lnSpc>
+                <a:spcPct val="150000"/>
+              </a:lnSpc>
+              <a:buFont typeface="Arial" panose="020B0604020202020204" pitchFamily="34" charset="0"/>
+              <a:buChar char="•"/>
+            </a:pPr>
+            <a:r>
+              <a:rPr lang="pl-PL" dirty="0">
                 <a:solidFill>
                   <a:srgbClr val="333333"/>
                 </a:solidFill>
               </a:rPr>
-              <a:t>żania chęci poprowadzenia szkolenia,</a:t>
-            </a:r>
-          </a:p>
-          <a:p>
-            <a:pPr marL="342900" indent="-342900" algn="l">
-              <a:buFont typeface="Arial" panose="020B0604020202020204" pitchFamily="34" charset="0"/>
-              <a:buChar char="•"/>
-            </a:pPr>
-            <a:r>
-              <a:rPr lang="pl-PL" sz="2000" dirty="0">
-                <a:solidFill>
-                  <a:srgbClr val="333333"/>
-                </a:solidFill>
-              </a:rPr>
-              <a:t>podpowiadanie najlepszych terminów szkoleń w oparciu o zajętość kalendarzy użytkowników</a:t>
-            </a:r>
-          </a:p>
-          <a:p>
-            <a:pPr algn="l"/>
-            <a:endParaRPr lang="pl-PL" sz="2000" b="0" dirty="0">
-              <a:solidFill>
-                <a:srgbClr val="333333"/>
-              </a:solidFill>
-              <a:effectLst/>
-            </a:endParaRPr>
+              <a:t>podpowiadanie najlepszych terminów szkoleń w oparciu o zajętość kalendarzy użytkowników.</a:t>
+            </a:r>
           </a:p>
         </p:txBody>
       </p:sp>
     </p:spTree>
     <p:extLst>
       <p:ext uri="{BB962C8B-B14F-4D97-AF65-F5344CB8AC3E}">
-        <p14:creationId xmlns:p14="http://schemas.microsoft.com/office/powerpoint/2010/main" val="2020493076"/>
+        <p14:creationId xmlns:p14="http://schemas.microsoft.com/office/powerpoint/2010/main" val="4087265"/>
       </p:ext>
     </p:extLst>
   </p:cSld>
@@ -5642,145 +5827,6 @@
 </file>
 
 <file path=ppt/slides/slide8.xml><?xml version="1.0" encoding="utf-8"?>
-<p:sld xmlns:a="http://schemas.openxmlformats.org/drawingml/2006/main" xmlns:r="http://schemas.openxmlformats.org/officeDocument/2006/relationships" xmlns:p="http://schemas.openxmlformats.org/presentationml/2006/main">
-  <p:cSld>
-    <p:spTree>
-      <p:nvGrpSpPr>
-        <p:cNvPr id="1" name=""/>
-        <p:cNvGrpSpPr/>
-        <p:nvPr/>
-      </p:nvGrpSpPr>
-      <p:grpSpPr>
-        <a:xfrm>
-          <a:off x="0" y="0"/>
-          <a:ext cx="0" cy="0"/>
-          <a:chOff x="0" y="0"/>
-          <a:chExt cx="0" cy="0"/>
-        </a:xfrm>
-      </p:grpSpPr>
-      <p:sp>
-        <p:nvSpPr>
-          <p:cNvPr id="2" name="Symbol zastępczy tekstu 1"/>
-          <p:cNvSpPr>
-            <a:spLocks noGrp="1"/>
-          </p:cNvSpPr>
-          <p:nvPr>
-            <p:ph type="body" idx="10"/>
-          </p:nvPr>
-        </p:nvSpPr>
-        <p:spPr>
-          <a:xfrm>
-            <a:off x="2108719" y="388842"/>
-            <a:ext cx="9605865" cy="1612574"/>
-          </a:xfrm>
-        </p:spPr>
-        <p:txBody>
-          <a:bodyPr>
-            <a:normAutofit/>
-          </a:bodyPr>
-          <a:lstStyle/>
-          <a:p>
-            <a:pPr algn="ctr"/>
-            <a:r>
-              <a:rPr lang="pl-PL" sz="2800" dirty="0">
-                <a:latin typeface="Arial Black" panose="020B0A04020102020204" pitchFamily="34" charset="0"/>
-                <a:cs typeface="Times New Roman" panose="02020603050405020304" pitchFamily="18" charset="0"/>
-              </a:rPr>
-              <a:t>Organizacja</a:t>
-            </a:r>
-            <a:endParaRPr lang="pl-PL" sz="3600" dirty="0">
-              <a:latin typeface="Arial Black" panose="020B0A04020102020204" pitchFamily="34" charset="0"/>
-              <a:cs typeface="Times New Roman" panose="02020603050405020304" pitchFamily="18" charset="0"/>
-            </a:endParaRPr>
-          </a:p>
-        </p:txBody>
-      </p:sp>
-      <p:sp>
-        <p:nvSpPr>
-          <p:cNvPr id="4" name="pole tekstowe 3">
-            <a:extLst>
-              <a:ext uri="{FF2B5EF4-FFF2-40B4-BE49-F238E27FC236}">
-                <a16:creationId xmlns:a16="http://schemas.microsoft.com/office/drawing/2014/main" id="{62C2D2E3-ACF6-42CC-A531-0219BAAE2450}"/>
-              </a:ext>
-            </a:extLst>
-          </p:cNvPr>
-          <p:cNvSpPr txBox="1"/>
-          <p:nvPr/>
-        </p:nvSpPr>
-        <p:spPr>
-          <a:xfrm>
-            <a:off x="2108718" y="2227811"/>
-            <a:ext cx="9605865" cy="2246769"/>
-          </a:xfrm>
-          <a:prstGeom prst="rect">
-            <a:avLst/>
-          </a:prstGeom>
-          <a:noFill/>
-        </p:spPr>
-        <p:txBody>
-          <a:bodyPr wrap="square">
-            <a:spAutoFit/>
-          </a:bodyPr>
-          <a:lstStyle/>
-          <a:p>
-            <a:pPr algn="just"/>
-            <a:r>
-              <a:rPr lang="pl-PL" sz="2800" dirty="0"/>
-              <a:t>Kontakt:</a:t>
-            </a:r>
-          </a:p>
-          <a:p>
-            <a:pPr marL="457200" indent="-457200" algn="just">
-              <a:buFontTx/>
-              <a:buChar char="-"/>
-            </a:pPr>
-            <a:r>
-              <a:rPr lang="pl-PL" sz="2800" dirty="0"/>
-              <a:t>cotygodniowe spotkania na platformie </a:t>
-            </a:r>
-            <a:r>
-              <a:rPr lang="pl-PL" sz="2800" dirty="0" err="1"/>
-              <a:t>Discord</a:t>
-            </a:r>
-            <a:r>
-              <a:rPr lang="pl-PL" sz="2800" dirty="0"/>
-              <a:t> oraz bieżąca komunikacja na Messengerze</a:t>
-            </a:r>
-          </a:p>
-          <a:p>
-            <a:pPr marL="457200" indent="-457200" algn="just">
-              <a:buFontTx/>
-              <a:buChar char="-"/>
-            </a:pPr>
-            <a:r>
-              <a:rPr lang="pl-PL" sz="2800" dirty="0"/>
-              <a:t>rozdzielenie obowiązków oraz rozliczanie ich dzięki platformie </a:t>
-            </a:r>
-            <a:r>
-              <a:rPr lang="pl-PL" sz="2800" dirty="0" err="1"/>
-              <a:t>Trello</a:t>
-            </a:r>
-            <a:endParaRPr lang="pl-PL" sz="2800" dirty="0"/>
-          </a:p>
-        </p:txBody>
-      </p:sp>
-    </p:spTree>
-    <p:extLst>
-      <p:ext uri="{BB962C8B-B14F-4D97-AF65-F5344CB8AC3E}">
-        <p14:creationId xmlns:p14="http://schemas.microsoft.com/office/powerpoint/2010/main" val="3087812993"/>
-      </p:ext>
-    </p:extLst>
-  </p:cSld>
-  <p:clrMapOvr>
-    <a:masterClrMapping/>
-  </p:clrMapOvr>
-  <p:transition>
-    <p:randomBar/>
-  </p:transition>
-</p:sld>
-</file>
-
-<file path=ppt/slides/slide9.xml><?xml version="1.0" encoding="utf-8"?>
 <p:sld xmlns:a="http://schemas.openxmlformats.org/drawingml/2006/main" xmlns:r="http://schemas.openxmlformats.org/officeDocument/2006/relationships" xmlns:p="http://schemas.openxmlformats.org/presentationml/2006/main">
   <p:cSld>
     <p:spTree>
